--- a/2021腾讯云产品图标.pptx
+++ b/2021腾讯云产品图标.pptx
@@ -113,6 +113,11 @@
       </a:defRPr>
     </a:lvl9pPr>
   </p:defaultTextStyle>
+  <p:extLst>
+    <p:ext uri="{EFAFB233-063F-42B5-8137-9DF3F51BA10A}">
+      <p15:sldGuideLst xmlns:p15="http://schemas.microsoft.com/office/powerpoint/2012/main"/>
+    </p:ext>
+  </p:extLst>
 </p:presentation>
 </file>
 
@@ -3890,7 +3895,7 @@
         </p:blipFill>
         <p:spPr>
           <a:xfrm>
-            <a:off x="409049" y="853332"/>
+            <a:off x="8022496" y="853332"/>
             <a:ext cx="457200" cy="457200"/>
           </a:xfrm>
           <a:prstGeom prst="rect">
@@ -3929,7 +3934,7 @@
         </p:blipFill>
         <p:spPr>
           <a:xfrm>
-            <a:off x="1254349" y="853332"/>
+            <a:off x="7178632" y="853332"/>
             <a:ext cx="457200" cy="457200"/>
           </a:xfrm>
           <a:prstGeom prst="rect">
@@ -3968,7 +3973,7 @@
         </p:blipFill>
         <p:spPr>
           <a:xfrm>
-            <a:off x="2099649" y="853332"/>
+            <a:off x="6334768" y="853332"/>
             <a:ext cx="457200" cy="457200"/>
           </a:xfrm>
           <a:prstGeom prst="rect">
@@ -4007,7 +4012,7 @@
         </p:blipFill>
         <p:spPr>
           <a:xfrm>
-            <a:off x="2944949" y="853332"/>
+            <a:off x="5490904" y="853332"/>
             <a:ext cx="457200" cy="457200"/>
           </a:xfrm>
           <a:prstGeom prst="rect">
@@ -4046,7 +4051,7 @@
         </p:blipFill>
         <p:spPr>
           <a:xfrm>
-            <a:off x="3790249" y="853332"/>
+            <a:off x="4647040" y="853332"/>
             <a:ext cx="457200" cy="457200"/>
           </a:xfrm>
           <a:prstGeom prst="rect">
@@ -4085,7 +4090,7 @@
         </p:blipFill>
         <p:spPr>
           <a:xfrm>
-            <a:off x="4635549" y="853332"/>
+            <a:off x="3803176" y="853332"/>
             <a:ext cx="457200" cy="457200"/>
           </a:xfrm>
           <a:prstGeom prst="rect">
@@ -4124,7 +4129,7 @@
         </p:blipFill>
         <p:spPr>
           <a:xfrm>
-            <a:off x="5480849" y="853332"/>
+            <a:off x="2959312" y="853332"/>
             <a:ext cx="457200" cy="457200"/>
           </a:xfrm>
           <a:prstGeom prst="rect">
@@ -4163,7 +4168,7 @@
         </p:blipFill>
         <p:spPr>
           <a:xfrm>
-            <a:off x="6326149" y="853332"/>
+            <a:off x="2115448" y="853332"/>
             <a:ext cx="457200" cy="457200"/>
           </a:xfrm>
           <a:prstGeom prst="rect">
@@ -4202,7 +4207,7 @@
         </p:blipFill>
         <p:spPr>
           <a:xfrm>
-            <a:off x="7171449" y="853332"/>
+            <a:off x="1271584" y="853332"/>
             <a:ext cx="457200" cy="457200"/>
           </a:xfrm>
           <a:prstGeom prst="rect">
@@ -4241,7 +4246,7 @@
         </p:blipFill>
         <p:spPr>
           <a:xfrm>
-            <a:off x="8016749" y="853332"/>
+            <a:off x="427720" y="853332"/>
             <a:ext cx="457200" cy="457200"/>
           </a:xfrm>
           <a:prstGeom prst="rect">
@@ -4280,7 +4285,7 @@
         </p:blipFill>
         <p:spPr>
           <a:xfrm>
-            <a:off x="8862049" y="853332"/>
+            <a:off x="8866360" y="853332"/>
             <a:ext cx="457200" cy="457200"/>
           </a:xfrm>
           <a:prstGeom prst="rect">
@@ -4319,7 +4324,7 @@
         </p:blipFill>
         <p:spPr>
           <a:xfrm>
-            <a:off x="9707349" y="853332"/>
+            <a:off x="9710224" y="853332"/>
             <a:ext cx="457200" cy="457200"/>
           </a:xfrm>
           <a:prstGeom prst="rect">
@@ -4358,7 +4363,7 @@
         </p:blipFill>
         <p:spPr>
           <a:xfrm>
-            <a:off x="10552649" y="853332"/>
+            <a:off x="10554088" y="853332"/>
             <a:ext cx="457200" cy="457200"/>
           </a:xfrm>
           <a:prstGeom prst="rect">

--- a/2021腾讯云产品图标.pptx
+++ b/2021腾讯云产品图标.pptx
@@ -14,7 +14,8 @@
     <p:sldId id="271" r:id="rId8"/>
     <p:sldId id="262" r:id="rId9"/>
     <p:sldId id="261" r:id="rId10"/>
-    <p:sldId id="268" r:id="rId11"/>
+    <p:sldId id="272" r:id="rId11"/>
+    <p:sldId id="268" r:id="rId12"/>
   </p:sldIdLst>
   <p:sldSz cx="12192000" cy="6858000"/>
   <p:notesSz cx="6858000" cy="9144000"/>
@@ -268,7 +269,7 @@
           <a:p>
             <a:fld id="{2CE15EFC-9D80-4E63-AEDA-60C30E79BD3B}" type="datetimeFigureOut">
               <a:rPr lang="zh-CN" altLang="en-US" smtClean="0"/>
-              <a:t>2021-01-17</a:t>
+              <a:t>2021-01-18</a:t>
             </a:fld>
             <a:endParaRPr lang="zh-CN" altLang="en-US"/>
           </a:p>
@@ -466,7 +467,7 @@
           <a:p>
             <a:fld id="{2CE15EFC-9D80-4E63-AEDA-60C30E79BD3B}" type="datetimeFigureOut">
               <a:rPr lang="zh-CN" altLang="en-US" smtClean="0"/>
-              <a:t>2021-01-17</a:t>
+              <a:t>2021-01-18</a:t>
             </a:fld>
             <a:endParaRPr lang="zh-CN" altLang="en-US"/>
           </a:p>
@@ -674,7 +675,7 @@
           <a:p>
             <a:fld id="{2CE15EFC-9D80-4E63-AEDA-60C30E79BD3B}" type="datetimeFigureOut">
               <a:rPr lang="zh-CN" altLang="en-US" smtClean="0"/>
-              <a:t>2021-01-17</a:t>
+              <a:t>2021-01-18</a:t>
             </a:fld>
             <a:endParaRPr lang="zh-CN" altLang="en-US"/>
           </a:p>
@@ -872,7 +873,7 @@
           <a:p>
             <a:fld id="{2CE15EFC-9D80-4E63-AEDA-60C30E79BD3B}" type="datetimeFigureOut">
               <a:rPr lang="zh-CN" altLang="en-US" smtClean="0"/>
-              <a:t>2021-01-17</a:t>
+              <a:t>2021-01-18</a:t>
             </a:fld>
             <a:endParaRPr lang="zh-CN" altLang="en-US"/>
           </a:p>
@@ -1147,7 +1148,7 @@
           <a:p>
             <a:fld id="{2CE15EFC-9D80-4E63-AEDA-60C30E79BD3B}" type="datetimeFigureOut">
               <a:rPr lang="zh-CN" altLang="en-US" smtClean="0"/>
-              <a:t>2021-01-17</a:t>
+              <a:t>2021-01-18</a:t>
             </a:fld>
             <a:endParaRPr lang="zh-CN" altLang="en-US"/>
           </a:p>
@@ -1412,7 +1413,7 @@
           <a:p>
             <a:fld id="{2CE15EFC-9D80-4E63-AEDA-60C30E79BD3B}" type="datetimeFigureOut">
               <a:rPr lang="zh-CN" altLang="en-US" smtClean="0"/>
-              <a:t>2021-01-17</a:t>
+              <a:t>2021-01-18</a:t>
             </a:fld>
             <a:endParaRPr lang="zh-CN" altLang="en-US"/>
           </a:p>
@@ -1824,7 +1825,7 @@
           <a:p>
             <a:fld id="{2CE15EFC-9D80-4E63-AEDA-60C30E79BD3B}" type="datetimeFigureOut">
               <a:rPr lang="zh-CN" altLang="en-US" smtClean="0"/>
-              <a:t>2021-01-17</a:t>
+              <a:t>2021-01-18</a:t>
             </a:fld>
             <a:endParaRPr lang="zh-CN" altLang="en-US"/>
           </a:p>
@@ -1965,7 +1966,7 @@
           <a:p>
             <a:fld id="{2CE15EFC-9D80-4E63-AEDA-60C30E79BD3B}" type="datetimeFigureOut">
               <a:rPr lang="zh-CN" altLang="en-US" smtClean="0"/>
-              <a:t>2021-01-17</a:t>
+              <a:t>2021-01-18</a:t>
             </a:fld>
             <a:endParaRPr lang="zh-CN" altLang="en-US"/>
           </a:p>
@@ -2078,7 +2079,7 @@
           <a:p>
             <a:fld id="{2CE15EFC-9D80-4E63-AEDA-60C30E79BD3B}" type="datetimeFigureOut">
               <a:rPr lang="zh-CN" altLang="en-US" smtClean="0"/>
-              <a:t>2021-01-17</a:t>
+              <a:t>2021-01-18</a:t>
             </a:fld>
             <a:endParaRPr lang="zh-CN" altLang="en-US"/>
           </a:p>
@@ -2389,7 +2390,7 @@
           <a:p>
             <a:fld id="{2CE15EFC-9D80-4E63-AEDA-60C30E79BD3B}" type="datetimeFigureOut">
               <a:rPr lang="zh-CN" altLang="en-US" smtClean="0"/>
-              <a:t>2021-01-17</a:t>
+              <a:t>2021-01-18</a:t>
             </a:fld>
             <a:endParaRPr lang="zh-CN" altLang="en-US"/>
           </a:p>
@@ -2677,7 +2678,7 @@
           <a:p>
             <a:fld id="{2CE15EFC-9D80-4E63-AEDA-60C30E79BD3B}" type="datetimeFigureOut">
               <a:rPr lang="zh-CN" altLang="en-US" smtClean="0"/>
-              <a:t>2021-01-17</a:t>
+              <a:t>2021-01-18</a:t>
             </a:fld>
             <a:endParaRPr lang="zh-CN" altLang="en-US"/>
           </a:p>
@@ -2924,7 +2925,7 @@
           <a:p>
             <a:fld id="{2CE15EFC-9D80-4E63-AEDA-60C30E79BD3B}" type="datetimeFigureOut">
               <a:rPr lang="zh-CN" altLang="en-US" smtClean="0"/>
-              <a:t>2021-01-17</a:t>
+              <a:t>2021-01-18</a:t>
             </a:fld>
             <a:endParaRPr lang="zh-CN" altLang="en-US"/>
           </a:p>
@@ -3715,6 +3716,155 @@
       </p:grpSpPr>
       <p:pic>
         <p:nvPicPr>
+          <p:cNvPr id="6" name="图形 5">
+            <a:extLst>
+              <a:ext uri="{FF2B5EF4-FFF2-40B4-BE49-F238E27FC236}">
+                <a16:creationId xmlns:a16="http://schemas.microsoft.com/office/drawing/2014/main" id="{C77F151E-2BE4-4483-AB86-B2721E6BFFFE}"/>
+              </a:ext>
+            </a:extLst>
+          </p:cNvPr>
+          <p:cNvPicPr>
+            <a:picLocks noChangeAspect="1"/>
+          </p:cNvPicPr>
+          <p:nvPr/>
+        </p:nvPicPr>
+        <p:blipFill>
+          <a:blip r:embed="rId2">
+            <a:extLst>
+              <a:ext uri="{28A0092B-C50C-407E-A947-70E740481C1C}">
+                <a14:useLocalDpi xmlns:a14="http://schemas.microsoft.com/office/drawing/2010/main" val="0"/>
+              </a:ext>
+              <a:ext uri="{96DAC541-7B7A-43D3-8B79-37D633B846F1}">
+                <asvg:svgBlip xmlns:asvg="http://schemas.microsoft.com/office/drawing/2016/SVG/main" r:embed="rId3"/>
+              </a:ext>
+            </a:extLst>
+          </a:blip>
+          <a:stretch>
+            <a:fillRect/>
+          </a:stretch>
+        </p:blipFill>
+        <p:spPr>
+          <a:xfrm>
+            <a:off x="10638430" y="217938"/>
+            <a:ext cx="1302940" cy="300678"/>
+          </a:xfrm>
+          <a:prstGeom prst="rect">
+            <a:avLst/>
+          </a:prstGeom>
+        </p:spPr>
+      </p:pic>
+      <p:cxnSp>
+        <p:nvCxnSpPr>
+          <p:cNvPr id="7" name="直接连接符 6">
+            <a:extLst>
+              <a:ext uri="{FF2B5EF4-FFF2-40B4-BE49-F238E27FC236}">
+                <a16:creationId xmlns:a16="http://schemas.microsoft.com/office/drawing/2014/main" id="{9CCD5679-175D-4E7D-87E8-05835CBCB633}"/>
+              </a:ext>
+            </a:extLst>
+          </p:cNvPr>
+          <p:cNvCxnSpPr>
+            <a:cxnSpLocks/>
+          </p:cNvCxnSpPr>
+          <p:nvPr/>
+        </p:nvCxnSpPr>
+        <p:spPr>
+          <a:xfrm>
+            <a:off x="0" y="679603"/>
+            <a:ext cx="12192000" cy="0"/>
+          </a:xfrm>
+          <a:prstGeom prst="line">
+            <a:avLst/>
+          </a:prstGeom>
+          <a:ln w="25400"/>
+        </p:spPr>
+        <p:style>
+          <a:lnRef idx="1">
+            <a:schemeClr val="accent1"/>
+          </a:lnRef>
+          <a:fillRef idx="0">
+            <a:schemeClr val="accent1"/>
+          </a:fillRef>
+          <a:effectRef idx="0">
+            <a:schemeClr val="accent1"/>
+          </a:effectRef>
+          <a:fontRef idx="minor">
+            <a:schemeClr val="tx1"/>
+          </a:fontRef>
+        </p:style>
+      </p:cxnSp>
+      <p:sp>
+        <p:nvSpPr>
+          <p:cNvPr id="8" name="文本框 7">
+            <a:extLst>
+              <a:ext uri="{FF2B5EF4-FFF2-40B4-BE49-F238E27FC236}">
+                <a16:creationId xmlns:a16="http://schemas.microsoft.com/office/drawing/2014/main" id="{071AC92D-54E9-4832-9D92-3C758C5F2837}"/>
+              </a:ext>
+            </a:extLst>
+          </p:cNvPr>
+          <p:cNvSpPr txBox="1"/>
+          <p:nvPr/>
+        </p:nvSpPr>
+        <p:spPr>
+          <a:xfrm>
+            <a:off x="436230" y="333950"/>
+            <a:ext cx="1107996" cy="369332"/>
+          </a:xfrm>
+          <a:prstGeom prst="rect">
+            <a:avLst/>
+          </a:prstGeom>
+          <a:noFill/>
+        </p:spPr>
+        <p:txBody>
+          <a:bodyPr wrap="none" rtlCol="0">
+            <a:spAutoFit/>
+          </a:bodyPr>
+          <a:lstStyle/>
+          <a:p>
+            <a:r>
+              <a:rPr lang="zh-CN" altLang="en-US" dirty="0">
+                <a:solidFill>
+                  <a:schemeClr val="bg1"/>
+                </a:solidFill>
+                <a:latin typeface="微软雅黑" panose="020B0503020204020204" pitchFamily="34" charset="-122"/>
+                <a:ea typeface="微软雅黑" panose="020B0503020204020204" pitchFamily="34" charset="-122"/>
+              </a:rPr>
+              <a:t>更新日志</a:t>
+            </a:r>
+          </a:p>
+        </p:txBody>
+      </p:sp>
+    </p:spTree>
+    <p:extLst>
+      <p:ext uri="{BB962C8B-B14F-4D97-AF65-F5344CB8AC3E}">
+        <p14:creationId xmlns:p14="http://schemas.microsoft.com/office/powerpoint/2010/main" val="835278326"/>
+      </p:ext>
+    </p:extLst>
+  </p:cSld>
+  <p:clrMapOvr>
+    <a:masterClrMapping/>
+  </p:clrMapOvr>
+</p:sld>
+</file>
+
+<file path=ppt/slides/slide11.xml><?xml version="1.0" encoding="utf-8"?>
+<p:sld xmlns:a="http://schemas.openxmlformats.org/drawingml/2006/main" xmlns:r="http://schemas.openxmlformats.org/officeDocument/2006/relationships" xmlns:p="http://schemas.openxmlformats.org/presentationml/2006/main">
+  <p:cSld>
+    <p:spTree>
+      <p:nvGrpSpPr>
+        <p:cNvPr id="1" name=""/>
+        <p:cNvGrpSpPr/>
+        <p:nvPr/>
+      </p:nvGrpSpPr>
+      <p:grpSpPr>
+        <a:xfrm>
+          <a:off x="0" y="0"/>
+          <a:ext cx="0" cy="0"/>
+          <a:chOff x="0" y="0"/>
+          <a:chExt cx="0" cy="0"/>
+        </a:xfrm>
+      </p:grpSpPr>
+      <p:pic>
+        <p:nvPicPr>
           <p:cNvPr id="3" name="图片 2">
             <a:extLst>
               <a:ext uri="{FF2B5EF4-FFF2-40B4-BE49-F238E27FC236}">
@@ -3741,8 +3891,8 @@
         </p:blipFill>
         <p:spPr>
           <a:xfrm>
-            <a:off x="55363" y="6379"/>
-            <a:ext cx="12136637" cy="6845242"/>
+            <a:off x="1" y="6379"/>
+            <a:ext cx="12192000" cy="6845242"/>
           </a:xfrm>
           <a:prstGeom prst="rect">
             <a:avLst/>
@@ -7257,6 +7407,47 @@
           </a:fontRef>
         </p:style>
       </p:cxnSp>
+      <p:sp>
+        <p:nvSpPr>
+          <p:cNvPr id="2" name="文本框 1">
+            <a:extLst>
+              <a:ext uri="{FF2B5EF4-FFF2-40B4-BE49-F238E27FC236}">
+                <a16:creationId xmlns:a16="http://schemas.microsoft.com/office/drawing/2014/main" id="{EE5C09DA-89D9-474D-BF3F-D30C5A00F3C2}"/>
+              </a:ext>
+            </a:extLst>
+          </p:cNvPr>
+          <p:cNvSpPr txBox="1"/>
+          <p:nvPr/>
+        </p:nvSpPr>
+        <p:spPr>
+          <a:xfrm>
+            <a:off x="436230" y="333950"/>
+            <a:ext cx="646331" cy="369332"/>
+          </a:xfrm>
+          <a:prstGeom prst="rect">
+            <a:avLst/>
+          </a:prstGeom>
+          <a:noFill/>
+        </p:spPr>
+        <p:txBody>
+          <a:bodyPr wrap="none" rtlCol="0">
+            <a:spAutoFit/>
+          </a:bodyPr>
+          <a:lstStyle/>
+          <a:p>
+            <a:r>
+              <a:rPr lang="zh-CN" altLang="en-US" dirty="0">
+                <a:solidFill>
+                  <a:schemeClr val="bg1"/>
+                </a:solidFill>
+                <a:latin typeface="微软雅黑" panose="020B0503020204020204" pitchFamily="34" charset="-122"/>
+                <a:ea typeface="微软雅黑" panose="020B0503020204020204" pitchFamily="34" charset="-122"/>
+              </a:rPr>
+              <a:t>基础</a:t>
+            </a:r>
+          </a:p>
+        </p:txBody>
+      </p:sp>
     </p:spTree>
     <p:extLst>
       <p:ext uri="{BB962C8B-B14F-4D97-AF65-F5344CB8AC3E}">
@@ -8184,6 +8375,47 @@
           </a:fontRef>
         </p:style>
       </p:cxnSp>
+      <p:sp>
+        <p:nvSpPr>
+          <p:cNvPr id="25" name="文本框 24">
+            <a:extLst>
+              <a:ext uri="{FF2B5EF4-FFF2-40B4-BE49-F238E27FC236}">
+                <a16:creationId xmlns:a16="http://schemas.microsoft.com/office/drawing/2014/main" id="{7CBD829D-9502-4701-B1C2-F10CC9E67490}"/>
+              </a:ext>
+            </a:extLst>
+          </p:cNvPr>
+          <p:cNvSpPr txBox="1"/>
+          <p:nvPr/>
+        </p:nvSpPr>
+        <p:spPr>
+          <a:xfrm>
+            <a:off x="436230" y="333950"/>
+            <a:ext cx="873957" cy="369332"/>
+          </a:xfrm>
+          <a:prstGeom prst="rect">
+            <a:avLst/>
+          </a:prstGeom>
+          <a:noFill/>
+        </p:spPr>
+        <p:txBody>
+          <a:bodyPr wrap="none" rtlCol="0">
+            <a:spAutoFit/>
+          </a:bodyPr>
+          <a:lstStyle/>
+          <a:p>
+            <a:r>
+              <a:rPr lang="zh-CN" altLang="en-US" dirty="0">
+                <a:solidFill>
+                  <a:schemeClr val="bg1"/>
+                </a:solidFill>
+                <a:latin typeface="微软雅黑" panose="020B0503020204020204" pitchFamily="34" charset="-122"/>
+                <a:ea typeface="微软雅黑" panose="020B0503020204020204" pitchFamily="34" charset="-122"/>
+              </a:rPr>
+              <a:t>数据库</a:t>
+            </a:r>
+          </a:p>
+        </p:txBody>
+      </p:sp>
     </p:spTree>
     <p:extLst>
       <p:ext uri="{BB962C8B-B14F-4D97-AF65-F5344CB8AC3E}">
@@ -9813,6 +10045,47 @@
           </a:prstGeom>
         </p:spPr>
       </p:pic>
+      <p:sp>
+        <p:nvSpPr>
+          <p:cNvPr id="43" name="文本框 42">
+            <a:extLst>
+              <a:ext uri="{FF2B5EF4-FFF2-40B4-BE49-F238E27FC236}">
+                <a16:creationId xmlns:a16="http://schemas.microsoft.com/office/drawing/2014/main" id="{1AB389A2-B11F-4264-B1F6-CE050F259F4D}"/>
+              </a:ext>
+            </a:extLst>
+          </p:cNvPr>
+          <p:cNvSpPr txBox="1"/>
+          <p:nvPr/>
+        </p:nvSpPr>
+        <p:spPr>
+          <a:xfrm>
+            <a:off x="436230" y="333950"/>
+            <a:ext cx="649730" cy="369332"/>
+          </a:xfrm>
+          <a:prstGeom prst="rect">
+            <a:avLst/>
+          </a:prstGeom>
+          <a:noFill/>
+        </p:spPr>
+        <p:txBody>
+          <a:bodyPr wrap="none" rtlCol="0">
+            <a:spAutoFit/>
+          </a:bodyPr>
+          <a:lstStyle/>
+          <a:p>
+            <a:r>
+              <a:rPr lang="zh-CN" altLang="en-US" dirty="0">
+                <a:solidFill>
+                  <a:schemeClr val="bg1"/>
+                </a:solidFill>
+                <a:latin typeface="微软雅黑" panose="020B0503020204020204" pitchFamily="34" charset="-122"/>
+                <a:ea typeface="微软雅黑" panose="020B0503020204020204" pitchFamily="34" charset="-122"/>
+              </a:rPr>
+              <a:t>安全</a:t>
+            </a:r>
+          </a:p>
+        </p:txBody>
+      </p:sp>
     </p:spTree>
     <p:extLst>
       <p:ext uri="{BB962C8B-B14F-4D97-AF65-F5344CB8AC3E}">
@@ -10818,6 +11091,47 @@
           </a:prstGeom>
         </p:spPr>
       </p:pic>
+      <p:sp>
+        <p:nvSpPr>
+          <p:cNvPr id="27" name="文本框 26">
+            <a:extLst>
+              <a:ext uri="{FF2B5EF4-FFF2-40B4-BE49-F238E27FC236}">
+                <a16:creationId xmlns:a16="http://schemas.microsoft.com/office/drawing/2014/main" id="{50615064-ADE3-4F05-A5ED-EC0C60C52EBE}"/>
+              </a:ext>
+            </a:extLst>
+          </p:cNvPr>
+          <p:cNvSpPr txBox="1"/>
+          <p:nvPr/>
+        </p:nvSpPr>
+        <p:spPr>
+          <a:xfrm>
+            <a:off x="436230" y="333950"/>
+            <a:ext cx="877163" cy="369332"/>
+          </a:xfrm>
+          <a:prstGeom prst="rect">
+            <a:avLst/>
+          </a:prstGeom>
+          <a:noFill/>
+        </p:spPr>
+        <p:txBody>
+          <a:bodyPr wrap="none" rtlCol="0">
+            <a:spAutoFit/>
+          </a:bodyPr>
+          <a:lstStyle/>
+          <a:p>
+            <a:r>
+              <a:rPr lang="zh-CN" altLang="en-US" dirty="0">
+                <a:solidFill>
+                  <a:schemeClr val="bg1"/>
+                </a:solidFill>
+                <a:latin typeface="微软雅黑" panose="020B0503020204020204" pitchFamily="34" charset="-122"/>
+                <a:ea typeface="微软雅黑" panose="020B0503020204020204" pitchFamily="34" charset="-122"/>
+              </a:rPr>
+              <a:t>大数据</a:t>
+            </a:r>
+          </a:p>
+        </p:txBody>
+      </p:sp>
     </p:spTree>
     <p:extLst>
       <p:ext uri="{BB962C8B-B14F-4D97-AF65-F5344CB8AC3E}">
@@ -12486,6 +12800,47 @@
           </a:fontRef>
         </p:style>
       </p:cxnSp>
+      <p:sp>
+        <p:nvSpPr>
+          <p:cNvPr id="44" name="文本框 43">
+            <a:extLst>
+              <a:ext uri="{FF2B5EF4-FFF2-40B4-BE49-F238E27FC236}">
+                <a16:creationId xmlns:a16="http://schemas.microsoft.com/office/drawing/2014/main" id="{7B04145D-5B5C-4981-BB21-730C077E9A79}"/>
+              </a:ext>
+            </a:extLst>
+          </p:cNvPr>
+          <p:cNvSpPr txBox="1"/>
+          <p:nvPr/>
+        </p:nvSpPr>
+        <p:spPr>
+          <a:xfrm>
+            <a:off x="436230" y="333950"/>
+            <a:ext cx="1107996" cy="369332"/>
+          </a:xfrm>
+          <a:prstGeom prst="rect">
+            <a:avLst/>
+          </a:prstGeom>
+          <a:noFill/>
+        </p:spPr>
+        <p:txBody>
+          <a:bodyPr wrap="none" rtlCol="0">
+            <a:spAutoFit/>
+          </a:bodyPr>
+          <a:lstStyle/>
+          <a:p>
+            <a:r>
+              <a:rPr lang="zh-CN" altLang="en-US" dirty="0">
+                <a:solidFill>
+                  <a:schemeClr val="bg1"/>
+                </a:solidFill>
+                <a:latin typeface="微软雅黑" panose="020B0503020204020204" pitchFamily="34" charset="-122"/>
+                <a:ea typeface="微软雅黑" panose="020B0503020204020204" pitchFamily="34" charset="-122"/>
+              </a:rPr>
+              <a:t>人工智能</a:t>
+            </a:r>
+          </a:p>
+        </p:txBody>
+      </p:sp>
     </p:spTree>
     <p:extLst>
       <p:ext uri="{BB962C8B-B14F-4D97-AF65-F5344CB8AC3E}">
@@ -12947,10 +13302,10 @@
       </p:pic>
       <p:pic>
         <p:nvPicPr>
-          <p:cNvPr id="13" name="图形 12">
-            <a:extLst>
-              <a:ext uri="{FF2B5EF4-FFF2-40B4-BE49-F238E27FC236}">
-                <a16:creationId xmlns:a16="http://schemas.microsoft.com/office/drawing/2014/main" id="{8A5F2FAD-D2A4-416B-9824-04C3A97B0B05}"/>
+          <p:cNvPr id="16" name="图形 15">
+            <a:extLst>
+              <a:ext uri="{FF2B5EF4-FFF2-40B4-BE49-F238E27FC236}">
+                <a16:creationId xmlns:a16="http://schemas.microsoft.com/office/drawing/2014/main" id="{55F6838D-DB6D-4857-A200-DE28BD41CFCD}"/>
               </a:ext>
             </a:extLst>
           </p:cNvPr>
@@ -12976,20 +13331,20 @@
         </p:blipFill>
         <p:spPr>
           <a:xfrm>
-            <a:off x="3938740" y="1160888"/>
-            <a:ext cx="466725" cy="474636"/>
-          </a:xfrm>
-          <a:prstGeom prst="rect">
-            <a:avLst/>
-          </a:prstGeom>
-        </p:spPr>
-      </p:pic>
-      <p:pic>
-        <p:nvPicPr>
-          <p:cNvPr id="14" name="图形 13">
-            <a:extLst>
-              <a:ext uri="{FF2B5EF4-FFF2-40B4-BE49-F238E27FC236}">
-                <a16:creationId xmlns:a16="http://schemas.microsoft.com/office/drawing/2014/main" id="{CC057935-5211-4F41-BD67-353EC1688A2E}"/>
+            <a:off x="753425" y="2361540"/>
+            <a:ext cx="457200" cy="457200"/>
+          </a:xfrm>
+          <a:prstGeom prst="rect">
+            <a:avLst/>
+          </a:prstGeom>
+        </p:spPr>
+      </p:pic>
+      <p:pic>
+        <p:nvPicPr>
+          <p:cNvPr id="17" name="图形 16">
+            <a:extLst>
+              <a:ext uri="{FF2B5EF4-FFF2-40B4-BE49-F238E27FC236}">
+                <a16:creationId xmlns:a16="http://schemas.microsoft.com/office/drawing/2014/main" id="{122F3850-29C4-4029-8AFA-C84E00212F1D}"/>
               </a:ext>
             </a:extLst>
           </p:cNvPr>
@@ -13006,123 +13361,6 @@
               </a:ext>
               <a:ext uri="{96DAC541-7B7A-43D3-8B79-37D633B846F1}">
                 <asvg:svgBlip xmlns:asvg="http://schemas.microsoft.com/office/drawing/2016/SVG/main" r:embed="rId27"/>
-              </a:ext>
-            </a:extLst>
-          </a:blip>
-          <a:stretch>
-            <a:fillRect/>
-          </a:stretch>
-        </p:blipFill>
-        <p:spPr>
-          <a:xfrm>
-            <a:off x="7836065" y="1164844"/>
-            <a:ext cx="466725" cy="466725"/>
-          </a:xfrm>
-          <a:prstGeom prst="rect">
-            <a:avLst/>
-          </a:prstGeom>
-        </p:spPr>
-      </p:pic>
-      <p:pic>
-        <p:nvPicPr>
-          <p:cNvPr id="15" name="图形 14">
-            <a:extLst>
-              <a:ext uri="{FF2B5EF4-FFF2-40B4-BE49-F238E27FC236}">
-                <a16:creationId xmlns:a16="http://schemas.microsoft.com/office/drawing/2014/main" id="{4885E631-5715-4EE1-B656-A8CF88C2E8D2}"/>
-              </a:ext>
-            </a:extLst>
-          </p:cNvPr>
-          <p:cNvPicPr>
-            <a:picLocks noChangeAspect="1"/>
-          </p:cNvPicPr>
-          <p:nvPr/>
-        </p:nvPicPr>
-        <p:blipFill>
-          <a:blip r:embed="rId28">
-            <a:extLst>
-              <a:ext uri="{28A0092B-C50C-407E-A947-70E740481C1C}">
-                <a14:useLocalDpi xmlns:a14="http://schemas.microsoft.com/office/drawing/2010/main" val="0"/>
-              </a:ext>
-              <a:ext uri="{96DAC541-7B7A-43D3-8B79-37D633B846F1}">
-                <asvg:svgBlip xmlns:asvg="http://schemas.microsoft.com/office/drawing/2016/SVG/main" r:embed="rId29"/>
-              </a:ext>
-            </a:extLst>
-          </a:blip>
-          <a:stretch>
-            <a:fillRect/>
-          </a:stretch>
-        </p:blipFill>
-        <p:spPr>
-          <a:xfrm>
-            <a:off x="3151655" y="1160081"/>
-            <a:ext cx="466725" cy="476250"/>
-          </a:xfrm>
-          <a:prstGeom prst="rect">
-            <a:avLst/>
-          </a:prstGeom>
-        </p:spPr>
-      </p:pic>
-      <p:pic>
-        <p:nvPicPr>
-          <p:cNvPr id="16" name="图形 15">
-            <a:extLst>
-              <a:ext uri="{FF2B5EF4-FFF2-40B4-BE49-F238E27FC236}">
-                <a16:creationId xmlns:a16="http://schemas.microsoft.com/office/drawing/2014/main" id="{55F6838D-DB6D-4857-A200-DE28BD41CFCD}"/>
-              </a:ext>
-            </a:extLst>
-          </p:cNvPr>
-          <p:cNvPicPr>
-            <a:picLocks noChangeAspect="1"/>
-          </p:cNvPicPr>
-          <p:nvPr/>
-        </p:nvPicPr>
-        <p:blipFill>
-          <a:blip r:embed="rId30">
-            <a:extLst>
-              <a:ext uri="{28A0092B-C50C-407E-A947-70E740481C1C}">
-                <a14:useLocalDpi xmlns:a14="http://schemas.microsoft.com/office/drawing/2010/main" val="0"/>
-              </a:ext>
-              <a:ext uri="{96DAC541-7B7A-43D3-8B79-37D633B846F1}">
-                <asvg:svgBlip xmlns:asvg="http://schemas.microsoft.com/office/drawing/2016/SVG/main" r:embed="rId31"/>
-              </a:ext>
-            </a:extLst>
-          </a:blip>
-          <a:stretch>
-            <a:fillRect/>
-          </a:stretch>
-        </p:blipFill>
-        <p:spPr>
-          <a:xfrm>
-            <a:off x="753425" y="2361540"/>
-            <a:ext cx="457200" cy="457200"/>
-          </a:xfrm>
-          <a:prstGeom prst="rect">
-            <a:avLst/>
-          </a:prstGeom>
-        </p:spPr>
-      </p:pic>
-      <p:pic>
-        <p:nvPicPr>
-          <p:cNvPr id="17" name="图形 16">
-            <a:extLst>
-              <a:ext uri="{FF2B5EF4-FFF2-40B4-BE49-F238E27FC236}">
-                <a16:creationId xmlns:a16="http://schemas.microsoft.com/office/drawing/2014/main" id="{122F3850-29C4-4029-8AFA-C84E00212F1D}"/>
-              </a:ext>
-            </a:extLst>
-          </p:cNvPr>
-          <p:cNvPicPr>
-            <a:picLocks noChangeAspect="1"/>
-          </p:cNvPicPr>
-          <p:nvPr/>
-        </p:nvPicPr>
-        <p:blipFill>
-          <a:blip r:embed="rId32">
-            <a:extLst>
-              <a:ext uri="{28A0092B-C50C-407E-A947-70E740481C1C}">
-                <a14:useLocalDpi xmlns:a14="http://schemas.microsoft.com/office/drawing/2010/main" val="0"/>
-              </a:ext>
-              <a:ext uri="{96DAC541-7B7A-43D3-8B79-37D633B846F1}">
-                <asvg:svgBlip xmlns:asvg="http://schemas.microsoft.com/office/drawing/2016/SVG/main" r:embed="rId33"/>
               </a:ext>
             </a:extLst>
           </a:blip>
@@ -13155,6 +13393,123 @@
           <p:nvPr/>
         </p:nvPicPr>
         <p:blipFill>
+          <a:blip r:embed="rId28">
+            <a:extLst>
+              <a:ext uri="{28A0092B-C50C-407E-A947-70E740481C1C}">
+                <a14:useLocalDpi xmlns:a14="http://schemas.microsoft.com/office/drawing/2010/main" val="0"/>
+              </a:ext>
+              <a:ext uri="{96DAC541-7B7A-43D3-8B79-37D633B846F1}">
+                <asvg:svgBlip xmlns:asvg="http://schemas.microsoft.com/office/drawing/2016/SVG/main" r:embed="rId29"/>
+              </a:ext>
+            </a:extLst>
+          </a:blip>
+          <a:stretch>
+            <a:fillRect/>
+          </a:stretch>
+        </p:blipFill>
+        <p:spPr>
+          <a:xfrm>
+            <a:off x="2334016" y="2361540"/>
+            <a:ext cx="457200" cy="457200"/>
+          </a:xfrm>
+          <a:prstGeom prst="rect">
+            <a:avLst/>
+          </a:prstGeom>
+        </p:spPr>
+      </p:pic>
+      <p:pic>
+        <p:nvPicPr>
+          <p:cNvPr id="19" name="图形 18">
+            <a:extLst>
+              <a:ext uri="{FF2B5EF4-FFF2-40B4-BE49-F238E27FC236}">
+                <a16:creationId xmlns:a16="http://schemas.microsoft.com/office/drawing/2014/main" id="{DFFE2E8B-20A3-471A-AE6D-9FBD4CEA318F}"/>
+              </a:ext>
+            </a:extLst>
+          </p:cNvPr>
+          <p:cNvPicPr>
+            <a:picLocks noChangeAspect="1"/>
+          </p:cNvPicPr>
+          <p:nvPr/>
+        </p:nvPicPr>
+        <p:blipFill>
+          <a:blip r:embed="rId30">
+            <a:extLst>
+              <a:ext uri="{28A0092B-C50C-407E-A947-70E740481C1C}">
+                <a14:useLocalDpi xmlns:a14="http://schemas.microsoft.com/office/drawing/2010/main" val="0"/>
+              </a:ext>
+              <a:ext uri="{96DAC541-7B7A-43D3-8B79-37D633B846F1}">
+                <asvg:svgBlip xmlns:asvg="http://schemas.microsoft.com/office/drawing/2016/SVG/main" r:embed="rId31"/>
+              </a:ext>
+            </a:extLst>
+          </a:blip>
+          <a:stretch>
+            <a:fillRect/>
+          </a:stretch>
+        </p:blipFill>
+        <p:spPr>
+          <a:xfrm>
+            <a:off x="3119549" y="2361540"/>
+            <a:ext cx="457200" cy="457200"/>
+          </a:xfrm>
+          <a:prstGeom prst="rect">
+            <a:avLst/>
+          </a:prstGeom>
+        </p:spPr>
+      </p:pic>
+      <p:pic>
+        <p:nvPicPr>
+          <p:cNvPr id="20" name="图形 19">
+            <a:extLst>
+              <a:ext uri="{FF2B5EF4-FFF2-40B4-BE49-F238E27FC236}">
+                <a16:creationId xmlns:a16="http://schemas.microsoft.com/office/drawing/2014/main" id="{6F9F6642-D480-4A38-98C0-0B21346E4CF9}"/>
+              </a:ext>
+            </a:extLst>
+          </p:cNvPr>
+          <p:cNvPicPr>
+            <a:picLocks noChangeAspect="1"/>
+          </p:cNvPicPr>
+          <p:nvPr/>
+        </p:nvPicPr>
+        <p:blipFill>
+          <a:blip r:embed="rId32">
+            <a:extLst>
+              <a:ext uri="{28A0092B-C50C-407E-A947-70E740481C1C}">
+                <a14:useLocalDpi xmlns:a14="http://schemas.microsoft.com/office/drawing/2010/main" val="0"/>
+              </a:ext>
+              <a:ext uri="{96DAC541-7B7A-43D3-8B79-37D633B846F1}">
+                <asvg:svgBlip xmlns:asvg="http://schemas.microsoft.com/office/drawing/2016/SVG/main" r:embed="rId33"/>
+              </a:ext>
+            </a:extLst>
+          </a:blip>
+          <a:stretch>
+            <a:fillRect/>
+          </a:stretch>
+        </p:blipFill>
+        <p:spPr>
+          <a:xfrm>
+            <a:off x="3905082" y="2361540"/>
+            <a:ext cx="457200" cy="457200"/>
+          </a:xfrm>
+          <a:prstGeom prst="rect">
+            <a:avLst/>
+          </a:prstGeom>
+        </p:spPr>
+      </p:pic>
+      <p:pic>
+        <p:nvPicPr>
+          <p:cNvPr id="21" name="图形 20">
+            <a:extLst>
+              <a:ext uri="{FF2B5EF4-FFF2-40B4-BE49-F238E27FC236}">
+                <a16:creationId xmlns:a16="http://schemas.microsoft.com/office/drawing/2014/main" id="{3A3CDC91-0DC4-490A-9E7B-4E369E2F8248}"/>
+              </a:ext>
+            </a:extLst>
+          </p:cNvPr>
+          <p:cNvPicPr>
+            <a:picLocks noChangeAspect="1"/>
+          </p:cNvPicPr>
+          <p:nvPr/>
+        </p:nvPicPr>
+        <p:blipFill>
           <a:blip r:embed="rId34">
             <a:extLst>
               <a:ext uri="{28A0092B-C50C-407E-A947-70E740481C1C}">
@@ -13171,20 +13526,20 @@
         </p:blipFill>
         <p:spPr>
           <a:xfrm>
-            <a:off x="2334016" y="2361540"/>
-            <a:ext cx="457200" cy="457200"/>
-          </a:xfrm>
-          <a:prstGeom prst="rect">
-            <a:avLst/>
-          </a:prstGeom>
-        </p:spPr>
-      </p:pic>
-      <p:pic>
-        <p:nvPicPr>
-          <p:cNvPr id="19" name="图形 18">
-            <a:extLst>
-              <a:ext uri="{FF2B5EF4-FFF2-40B4-BE49-F238E27FC236}">
-                <a16:creationId xmlns:a16="http://schemas.microsoft.com/office/drawing/2014/main" id="{DFFE2E8B-20A3-471A-AE6D-9FBD4CEA318F}"/>
+            <a:off x="4690615" y="2361540"/>
+            <a:ext cx="457200" cy="457200"/>
+          </a:xfrm>
+          <a:prstGeom prst="rect">
+            <a:avLst/>
+          </a:prstGeom>
+        </p:spPr>
+      </p:pic>
+      <p:pic>
+        <p:nvPicPr>
+          <p:cNvPr id="22" name="图形 21">
+            <a:extLst>
+              <a:ext uri="{FF2B5EF4-FFF2-40B4-BE49-F238E27FC236}">
+                <a16:creationId xmlns:a16="http://schemas.microsoft.com/office/drawing/2014/main" id="{2B5D29F2-E7CF-4091-850D-25B15E0F0843}"/>
               </a:ext>
             </a:extLst>
           </p:cNvPr>
@@ -13210,20 +13565,20 @@
         </p:blipFill>
         <p:spPr>
           <a:xfrm>
-            <a:off x="3119549" y="2361540"/>
-            <a:ext cx="457200" cy="457200"/>
-          </a:xfrm>
-          <a:prstGeom prst="rect">
-            <a:avLst/>
-          </a:prstGeom>
-        </p:spPr>
-      </p:pic>
-      <p:pic>
-        <p:nvPicPr>
-          <p:cNvPr id="20" name="图形 19">
-            <a:extLst>
-              <a:ext uri="{FF2B5EF4-FFF2-40B4-BE49-F238E27FC236}">
-                <a16:creationId xmlns:a16="http://schemas.microsoft.com/office/drawing/2014/main" id="{6F9F6642-D480-4A38-98C0-0B21346E4CF9}"/>
+            <a:off x="5476148" y="2361540"/>
+            <a:ext cx="457200" cy="457200"/>
+          </a:xfrm>
+          <a:prstGeom prst="rect">
+            <a:avLst/>
+          </a:prstGeom>
+        </p:spPr>
+      </p:pic>
+      <p:pic>
+        <p:nvPicPr>
+          <p:cNvPr id="23" name="图形 22">
+            <a:extLst>
+              <a:ext uri="{FF2B5EF4-FFF2-40B4-BE49-F238E27FC236}">
+                <a16:creationId xmlns:a16="http://schemas.microsoft.com/office/drawing/2014/main" id="{0FEDA81E-26E5-455E-B239-81794A11B68E}"/>
               </a:ext>
             </a:extLst>
           </p:cNvPr>
@@ -13249,20 +13604,20 @@
         </p:blipFill>
         <p:spPr>
           <a:xfrm>
-            <a:off x="3905082" y="2361540"/>
-            <a:ext cx="457200" cy="457200"/>
-          </a:xfrm>
-          <a:prstGeom prst="rect">
-            <a:avLst/>
-          </a:prstGeom>
-        </p:spPr>
-      </p:pic>
-      <p:pic>
-        <p:nvPicPr>
-          <p:cNvPr id="21" name="图形 20">
-            <a:extLst>
-              <a:ext uri="{FF2B5EF4-FFF2-40B4-BE49-F238E27FC236}">
-                <a16:creationId xmlns:a16="http://schemas.microsoft.com/office/drawing/2014/main" id="{3A3CDC91-0DC4-490A-9E7B-4E369E2F8248}"/>
+            <a:off x="7047214" y="2361540"/>
+            <a:ext cx="457200" cy="457200"/>
+          </a:xfrm>
+          <a:prstGeom prst="rect">
+            <a:avLst/>
+          </a:prstGeom>
+        </p:spPr>
+      </p:pic>
+      <p:pic>
+        <p:nvPicPr>
+          <p:cNvPr id="24" name="图形 23">
+            <a:extLst>
+              <a:ext uri="{FF2B5EF4-FFF2-40B4-BE49-F238E27FC236}">
+                <a16:creationId xmlns:a16="http://schemas.microsoft.com/office/drawing/2014/main" id="{DA7E2F00-9CA1-42D2-B84E-CCBA927E2749}"/>
               </a:ext>
             </a:extLst>
           </p:cNvPr>
@@ -13288,20 +13643,20 @@
         </p:blipFill>
         <p:spPr>
           <a:xfrm>
-            <a:off x="4690615" y="2361540"/>
-            <a:ext cx="457200" cy="457200"/>
-          </a:xfrm>
-          <a:prstGeom prst="rect">
-            <a:avLst/>
-          </a:prstGeom>
-        </p:spPr>
-      </p:pic>
-      <p:pic>
-        <p:nvPicPr>
-          <p:cNvPr id="22" name="图形 21">
-            <a:extLst>
-              <a:ext uri="{FF2B5EF4-FFF2-40B4-BE49-F238E27FC236}">
-                <a16:creationId xmlns:a16="http://schemas.microsoft.com/office/drawing/2014/main" id="{2B5D29F2-E7CF-4091-850D-25B15E0F0843}"/>
+            <a:off x="6261681" y="2361540"/>
+            <a:ext cx="457200" cy="457200"/>
+          </a:xfrm>
+          <a:prstGeom prst="rect">
+            <a:avLst/>
+          </a:prstGeom>
+        </p:spPr>
+      </p:pic>
+      <p:pic>
+        <p:nvPicPr>
+          <p:cNvPr id="25" name="图形 24">
+            <a:extLst>
+              <a:ext uri="{FF2B5EF4-FFF2-40B4-BE49-F238E27FC236}">
+                <a16:creationId xmlns:a16="http://schemas.microsoft.com/office/drawing/2014/main" id="{554D7673-6E21-447C-AA80-05FA349EFD46}"/>
               </a:ext>
             </a:extLst>
           </p:cNvPr>
@@ -13318,123 +13673,6 @@
               </a:ext>
               <a:ext uri="{96DAC541-7B7A-43D3-8B79-37D633B846F1}">
                 <asvg:svgBlip xmlns:asvg="http://schemas.microsoft.com/office/drawing/2016/SVG/main" r:embed="rId43"/>
-              </a:ext>
-            </a:extLst>
-          </a:blip>
-          <a:stretch>
-            <a:fillRect/>
-          </a:stretch>
-        </p:blipFill>
-        <p:spPr>
-          <a:xfrm>
-            <a:off x="5476148" y="2361540"/>
-            <a:ext cx="457200" cy="457200"/>
-          </a:xfrm>
-          <a:prstGeom prst="rect">
-            <a:avLst/>
-          </a:prstGeom>
-        </p:spPr>
-      </p:pic>
-      <p:pic>
-        <p:nvPicPr>
-          <p:cNvPr id="23" name="图形 22">
-            <a:extLst>
-              <a:ext uri="{FF2B5EF4-FFF2-40B4-BE49-F238E27FC236}">
-                <a16:creationId xmlns:a16="http://schemas.microsoft.com/office/drawing/2014/main" id="{0FEDA81E-26E5-455E-B239-81794A11B68E}"/>
-              </a:ext>
-            </a:extLst>
-          </p:cNvPr>
-          <p:cNvPicPr>
-            <a:picLocks noChangeAspect="1"/>
-          </p:cNvPicPr>
-          <p:nvPr/>
-        </p:nvPicPr>
-        <p:blipFill>
-          <a:blip r:embed="rId44">
-            <a:extLst>
-              <a:ext uri="{28A0092B-C50C-407E-A947-70E740481C1C}">
-                <a14:useLocalDpi xmlns:a14="http://schemas.microsoft.com/office/drawing/2010/main" val="0"/>
-              </a:ext>
-              <a:ext uri="{96DAC541-7B7A-43D3-8B79-37D633B846F1}">
-                <asvg:svgBlip xmlns:asvg="http://schemas.microsoft.com/office/drawing/2016/SVG/main" r:embed="rId45"/>
-              </a:ext>
-            </a:extLst>
-          </a:blip>
-          <a:stretch>
-            <a:fillRect/>
-          </a:stretch>
-        </p:blipFill>
-        <p:spPr>
-          <a:xfrm>
-            <a:off x="7047214" y="2361540"/>
-            <a:ext cx="457200" cy="457200"/>
-          </a:xfrm>
-          <a:prstGeom prst="rect">
-            <a:avLst/>
-          </a:prstGeom>
-        </p:spPr>
-      </p:pic>
-      <p:pic>
-        <p:nvPicPr>
-          <p:cNvPr id="24" name="图形 23">
-            <a:extLst>
-              <a:ext uri="{FF2B5EF4-FFF2-40B4-BE49-F238E27FC236}">
-                <a16:creationId xmlns:a16="http://schemas.microsoft.com/office/drawing/2014/main" id="{DA7E2F00-9CA1-42D2-B84E-CCBA927E2749}"/>
-              </a:ext>
-            </a:extLst>
-          </p:cNvPr>
-          <p:cNvPicPr>
-            <a:picLocks noChangeAspect="1"/>
-          </p:cNvPicPr>
-          <p:nvPr/>
-        </p:nvPicPr>
-        <p:blipFill>
-          <a:blip r:embed="rId46">
-            <a:extLst>
-              <a:ext uri="{28A0092B-C50C-407E-A947-70E740481C1C}">
-                <a14:useLocalDpi xmlns:a14="http://schemas.microsoft.com/office/drawing/2010/main" val="0"/>
-              </a:ext>
-              <a:ext uri="{96DAC541-7B7A-43D3-8B79-37D633B846F1}">
-                <asvg:svgBlip xmlns:asvg="http://schemas.microsoft.com/office/drawing/2016/SVG/main" r:embed="rId47"/>
-              </a:ext>
-            </a:extLst>
-          </a:blip>
-          <a:stretch>
-            <a:fillRect/>
-          </a:stretch>
-        </p:blipFill>
-        <p:spPr>
-          <a:xfrm>
-            <a:off x="6261681" y="2361540"/>
-            <a:ext cx="457200" cy="457200"/>
-          </a:xfrm>
-          <a:prstGeom prst="rect">
-            <a:avLst/>
-          </a:prstGeom>
-        </p:spPr>
-      </p:pic>
-      <p:pic>
-        <p:nvPicPr>
-          <p:cNvPr id="25" name="图形 24">
-            <a:extLst>
-              <a:ext uri="{FF2B5EF4-FFF2-40B4-BE49-F238E27FC236}">
-                <a16:creationId xmlns:a16="http://schemas.microsoft.com/office/drawing/2014/main" id="{554D7673-6E21-447C-AA80-05FA349EFD46}"/>
-              </a:ext>
-            </a:extLst>
-          </p:cNvPr>
-          <p:cNvPicPr>
-            <a:picLocks noChangeAspect="1"/>
-          </p:cNvPicPr>
-          <p:nvPr/>
-        </p:nvPicPr>
-        <p:blipFill>
-          <a:blip r:embed="rId48">
-            <a:extLst>
-              <a:ext uri="{28A0092B-C50C-407E-A947-70E740481C1C}">
-                <a14:useLocalDpi xmlns:a14="http://schemas.microsoft.com/office/drawing/2010/main" val="0"/>
-              </a:ext>
-              <a:ext uri="{96DAC541-7B7A-43D3-8B79-37D633B846F1}">
-                <asvg:svgBlip xmlns:asvg="http://schemas.microsoft.com/office/drawing/2016/SVG/main" r:embed="rId49"/>
               </a:ext>
             </a:extLst>
           </a:blip>
@@ -13467,6 +13705,123 @@
           <p:nvPr/>
         </p:nvPicPr>
         <p:blipFill>
+          <a:blip r:embed="rId44">
+            <a:extLst>
+              <a:ext uri="{28A0092B-C50C-407E-A947-70E740481C1C}">
+                <a14:useLocalDpi xmlns:a14="http://schemas.microsoft.com/office/drawing/2010/main" val="0"/>
+              </a:ext>
+              <a:ext uri="{96DAC541-7B7A-43D3-8B79-37D633B846F1}">
+                <asvg:svgBlip xmlns:asvg="http://schemas.microsoft.com/office/drawing/2016/SVG/main" r:embed="rId45"/>
+              </a:ext>
+            </a:extLst>
+          </a:blip>
+          <a:stretch>
+            <a:fillRect/>
+          </a:stretch>
+        </p:blipFill>
+        <p:spPr>
+          <a:xfrm>
+            <a:off x="8599230" y="2361540"/>
+            <a:ext cx="457200" cy="457200"/>
+          </a:xfrm>
+          <a:prstGeom prst="rect">
+            <a:avLst/>
+          </a:prstGeom>
+        </p:spPr>
+      </p:pic>
+      <p:pic>
+        <p:nvPicPr>
+          <p:cNvPr id="27" name="图形 26">
+            <a:extLst>
+              <a:ext uri="{FF2B5EF4-FFF2-40B4-BE49-F238E27FC236}">
+                <a16:creationId xmlns:a16="http://schemas.microsoft.com/office/drawing/2014/main" id="{59570A2E-2AC7-4291-ADBD-D9B166B6A71E}"/>
+              </a:ext>
+            </a:extLst>
+          </p:cNvPr>
+          <p:cNvPicPr>
+            <a:picLocks noChangeAspect="1"/>
+          </p:cNvPicPr>
+          <p:nvPr/>
+        </p:nvPicPr>
+        <p:blipFill>
+          <a:blip r:embed="rId46">
+            <a:extLst>
+              <a:ext uri="{28A0092B-C50C-407E-A947-70E740481C1C}">
+                <a14:useLocalDpi xmlns:a14="http://schemas.microsoft.com/office/drawing/2010/main" val="0"/>
+              </a:ext>
+              <a:ext uri="{96DAC541-7B7A-43D3-8B79-37D633B846F1}">
+                <asvg:svgBlip xmlns:asvg="http://schemas.microsoft.com/office/drawing/2016/SVG/main" r:embed="rId47"/>
+              </a:ext>
+            </a:extLst>
+          </a:blip>
+          <a:stretch>
+            <a:fillRect/>
+          </a:stretch>
+        </p:blipFill>
+        <p:spPr>
+          <a:xfrm>
+            <a:off x="9384763" y="2361540"/>
+            <a:ext cx="457200" cy="457200"/>
+          </a:xfrm>
+          <a:prstGeom prst="rect">
+            <a:avLst/>
+          </a:prstGeom>
+        </p:spPr>
+      </p:pic>
+      <p:pic>
+        <p:nvPicPr>
+          <p:cNvPr id="28" name="图形 27">
+            <a:extLst>
+              <a:ext uri="{FF2B5EF4-FFF2-40B4-BE49-F238E27FC236}">
+                <a16:creationId xmlns:a16="http://schemas.microsoft.com/office/drawing/2014/main" id="{DA42A7CE-93CA-43AB-BF39-4DB7F50E2792}"/>
+              </a:ext>
+            </a:extLst>
+          </p:cNvPr>
+          <p:cNvPicPr>
+            <a:picLocks noChangeAspect="1"/>
+          </p:cNvPicPr>
+          <p:nvPr/>
+        </p:nvPicPr>
+        <p:blipFill>
+          <a:blip r:embed="rId48">
+            <a:extLst>
+              <a:ext uri="{28A0092B-C50C-407E-A947-70E740481C1C}">
+                <a14:useLocalDpi xmlns:a14="http://schemas.microsoft.com/office/drawing/2010/main" val="0"/>
+              </a:ext>
+              <a:ext uri="{96DAC541-7B7A-43D3-8B79-37D633B846F1}">
+                <asvg:svgBlip xmlns:asvg="http://schemas.microsoft.com/office/drawing/2016/SVG/main" r:embed="rId49"/>
+              </a:ext>
+            </a:extLst>
+          </a:blip>
+          <a:stretch>
+            <a:fillRect/>
+          </a:stretch>
+        </p:blipFill>
+        <p:spPr>
+          <a:xfrm>
+            <a:off x="10170296" y="2361540"/>
+            <a:ext cx="457200" cy="457200"/>
+          </a:xfrm>
+          <a:prstGeom prst="rect">
+            <a:avLst/>
+          </a:prstGeom>
+        </p:spPr>
+      </p:pic>
+      <p:pic>
+        <p:nvPicPr>
+          <p:cNvPr id="29" name="图形 28">
+            <a:extLst>
+              <a:ext uri="{FF2B5EF4-FFF2-40B4-BE49-F238E27FC236}">
+                <a16:creationId xmlns:a16="http://schemas.microsoft.com/office/drawing/2014/main" id="{582F86C5-FD1C-43A7-A873-F40DF89F979A}"/>
+              </a:ext>
+            </a:extLst>
+          </p:cNvPr>
+          <p:cNvPicPr>
+            <a:picLocks noChangeAspect="1"/>
+          </p:cNvPicPr>
+          <p:nvPr/>
+        </p:nvPicPr>
+        <p:blipFill>
           <a:blip r:embed="rId50">
             <a:extLst>
               <a:ext uri="{28A0092B-C50C-407E-A947-70E740481C1C}">
@@ -13483,20 +13838,20 @@
         </p:blipFill>
         <p:spPr>
           <a:xfrm>
-            <a:off x="8599230" y="2361540"/>
-            <a:ext cx="457200" cy="457200"/>
-          </a:xfrm>
-          <a:prstGeom prst="rect">
-            <a:avLst/>
-          </a:prstGeom>
-        </p:spPr>
-      </p:pic>
-      <p:pic>
-        <p:nvPicPr>
-          <p:cNvPr id="27" name="图形 26">
-            <a:extLst>
-              <a:ext uri="{FF2B5EF4-FFF2-40B4-BE49-F238E27FC236}">
-                <a16:creationId xmlns:a16="http://schemas.microsoft.com/office/drawing/2014/main" id="{59570A2E-2AC7-4291-ADBD-D9B166B6A71E}"/>
+            <a:off x="10955825" y="2361540"/>
+            <a:ext cx="457200" cy="457200"/>
+          </a:xfrm>
+          <a:prstGeom prst="rect">
+            <a:avLst/>
+          </a:prstGeom>
+        </p:spPr>
+      </p:pic>
+      <p:pic>
+        <p:nvPicPr>
+          <p:cNvPr id="30" name="图形 29">
+            <a:extLst>
+              <a:ext uri="{FF2B5EF4-FFF2-40B4-BE49-F238E27FC236}">
+                <a16:creationId xmlns:a16="http://schemas.microsoft.com/office/drawing/2014/main" id="{7ADE0230-DABC-4350-92A2-2CDA061BC14B}"/>
               </a:ext>
             </a:extLst>
           </p:cNvPr>
@@ -13522,20 +13877,20 @@
         </p:blipFill>
         <p:spPr>
           <a:xfrm>
-            <a:off x="9384763" y="2361540"/>
-            <a:ext cx="457200" cy="457200"/>
-          </a:xfrm>
-          <a:prstGeom prst="rect">
-            <a:avLst/>
-          </a:prstGeom>
-        </p:spPr>
-      </p:pic>
-      <p:pic>
-        <p:nvPicPr>
-          <p:cNvPr id="28" name="图形 27">
-            <a:extLst>
-              <a:ext uri="{FF2B5EF4-FFF2-40B4-BE49-F238E27FC236}">
-                <a16:creationId xmlns:a16="http://schemas.microsoft.com/office/drawing/2014/main" id="{DA42A7CE-93CA-43AB-BF39-4DB7F50E2792}"/>
+            <a:off x="753425" y="3493618"/>
+            <a:ext cx="457200" cy="457200"/>
+          </a:xfrm>
+          <a:prstGeom prst="rect">
+            <a:avLst/>
+          </a:prstGeom>
+        </p:spPr>
+      </p:pic>
+      <p:pic>
+        <p:nvPicPr>
+          <p:cNvPr id="31" name="图形 30">
+            <a:extLst>
+              <a:ext uri="{FF2B5EF4-FFF2-40B4-BE49-F238E27FC236}">
+                <a16:creationId xmlns:a16="http://schemas.microsoft.com/office/drawing/2014/main" id="{CC88A35F-CD7F-4472-AA85-7D4E9CE96A57}"/>
               </a:ext>
             </a:extLst>
           </p:cNvPr>
@@ -13561,20 +13916,20 @@
         </p:blipFill>
         <p:spPr>
           <a:xfrm>
-            <a:off x="10170296" y="2361540"/>
-            <a:ext cx="457200" cy="457200"/>
-          </a:xfrm>
-          <a:prstGeom prst="rect">
-            <a:avLst/>
-          </a:prstGeom>
-        </p:spPr>
-      </p:pic>
-      <p:pic>
-        <p:nvPicPr>
-          <p:cNvPr id="29" name="图形 28">
-            <a:extLst>
-              <a:ext uri="{FF2B5EF4-FFF2-40B4-BE49-F238E27FC236}">
-                <a16:creationId xmlns:a16="http://schemas.microsoft.com/office/drawing/2014/main" id="{582F86C5-FD1C-43A7-A873-F40DF89F979A}"/>
+            <a:off x="1540350" y="3493618"/>
+            <a:ext cx="457200" cy="457200"/>
+          </a:xfrm>
+          <a:prstGeom prst="rect">
+            <a:avLst/>
+          </a:prstGeom>
+        </p:spPr>
+      </p:pic>
+      <p:pic>
+        <p:nvPicPr>
+          <p:cNvPr id="32" name="图形 31">
+            <a:extLst>
+              <a:ext uri="{FF2B5EF4-FFF2-40B4-BE49-F238E27FC236}">
+                <a16:creationId xmlns:a16="http://schemas.microsoft.com/office/drawing/2014/main" id="{35806571-4147-4C38-B4F0-347205722D92}"/>
               </a:ext>
             </a:extLst>
           </p:cNvPr>
@@ -13600,20 +13955,20 @@
         </p:blipFill>
         <p:spPr>
           <a:xfrm>
-            <a:off x="10955825" y="2361540"/>
-            <a:ext cx="457200" cy="457200"/>
-          </a:xfrm>
-          <a:prstGeom prst="rect">
-            <a:avLst/>
-          </a:prstGeom>
-        </p:spPr>
-      </p:pic>
-      <p:pic>
-        <p:nvPicPr>
-          <p:cNvPr id="30" name="图形 29">
-            <a:extLst>
-              <a:ext uri="{FF2B5EF4-FFF2-40B4-BE49-F238E27FC236}">
-                <a16:creationId xmlns:a16="http://schemas.microsoft.com/office/drawing/2014/main" id="{7ADE0230-DABC-4350-92A2-2CDA061BC14B}"/>
+            <a:off x="2327275" y="3493618"/>
+            <a:ext cx="457200" cy="457200"/>
+          </a:xfrm>
+          <a:prstGeom prst="rect">
+            <a:avLst/>
+          </a:prstGeom>
+        </p:spPr>
+      </p:pic>
+      <p:pic>
+        <p:nvPicPr>
+          <p:cNvPr id="33" name="图形 32">
+            <a:extLst>
+              <a:ext uri="{FF2B5EF4-FFF2-40B4-BE49-F238E27FC236}">
+                <a16:creationId xmlns:a16="http://schemas.microsoft.com/office/drawing/2014/main" id="{902BF042-06CF-403A-8E5C-60BFD2A51305}"/>
               </a:ext>
             </a:extLst>
           </p:cNvPr>
@@ -13630,123 +13985,6 @@
               </a:ext>
               <a:ext uri="{96DAC541-7B7A-43D3-8B79-37D633B846F1}">
                 <asvg:svgBlip xmlns:asvg="http://schemas.microsoft.com/office/drawing/2016/SVG/main" r:embed="rId59"/>
-              </a:ext>
-            </a:extLst>
-          </a:blip>
-          <a:stretch>
-            <a:fillRect/>
-          </a:stretch>
-        </p:blipFill>
-        <p:spPr>
-          <a:xfrm>
-            <a:off x="753425" y="3493618"/>
-            <a:ext cx="457200" cy="457200"/>
-          </a:xfrm>
-          <a:prstGeom prst="rect">
-            <a:avLst/>
-          </a:prstGeom>
-        </p:spPr>
-      </p:pic>
-      <p:pic>
-        <p:nvPicPr>
-          <p:cNvPr id="31" name="图形 30">
-            <a:extLst>
-              <a:ext uri="{FF2B5EF4-FFF2-40B4-BE49-F238E27FC236}">
-                <a16:creationId xmlns:a16="http://schemas.microsoft.com/office/drawing/2014/main" id="{CC88A35F-CD7F-4472-AA85-7D4E9CE96A57}"/>
-              </a:ext>
-            </a:extLst>
-          </p:cNvPr>
-          <p:cNvPicPr>
-            <a:picLocks noChangeAspect="1"/>
-          </p:cNvPicPr>
-          <p:nvPr/>
-        </p:nvPicPr>
-        <p:blipFill>
-          <a:blip r:embed="rId60">
-            <a:extLst>
-              <a:ext uri="{28A0092B-C50C-407E-A947-70E740481C1C}">
-                <a14:useLocalDpi xmlns:a14="http://schemas.microsoft.com/office/drawing/2010/main" val="0"/>
-              </a:ext>
-              <a:ext uri="{96DAC541-7B7A-43D3-8B79-37D633B846F1}">
-                <asvg:svgBlip xmlns:asvg="http://schemas.microsoft.com/office/drawing/2016/SVG/main" r:embed="rId61"/>
-              </a:ext>
-            </a:extLst>
-          </a:blip>
-          <a:stretch>
-            <a:fillRect/>
-          </a:stretch>
-        </p:blipFill>
-        <p:spPr>
-          <a:xfrm>
-            <a:off x="1540350" y="3493618"/>
-            <a:ext cx="457200" cy="457200"/>
-          </a:xfrm>
-          <a:prstGeom prst="rect">
-            <a:avLst/>
-          </a:prstGeom>
-        </p:spPr>
-      </p:pic>
-      <p:pic>
-        <p:nvPicPr>
-          <p:cNvPr id="32" name="图形 31">
-            <a:extLst>
-              <a:ext uri="{FF2B5EF4-FFF2-40B4-BE49-F238E27FC236}">
-                <a16:creationId xmlns:a16="http://schemas.microsoft.com/office/drawing/2014/main" id="{35806571-4147-4C38-B4F0-347205722D92}"/>
-              </a:ext>
-            </a:extLst>
-          </p:cNvPr>
-          <p:cNvPicPr>
-            <a:picLocks noChangeAspect="1"/>
-          </p:cNvPicPr>
-          <p:nvPr/>
-        </p:nvPicPr>
-        <p:blipFill>
-          <a:blip r:embed="rId62">
-            <a:extLst>
-              <a:ext uri="{28A0092B-C50C-407E-A947-70E740481C1C}">
-                <a14:useLocalDpi xmlns:a14="http://schemas.microsoft.com/office/drawing/2010/main" val="0"/>
-              </a:ext>
-              <a:ext uri="{96DAC541-7B7A-43D3-8B79-37D633B846F1}">
-                <asvg:svgBlip xmlns:asvg="http://schemas.microsoft.com/office/drawing/2016/SVG/main" r:embed="rId63"/>
-              </a:ext>
-            </a:extLst>
-          </a:blip>
-          <a:stretch>
-            <a:fillRect/>
-          </a:stretch>
-        </p:blipFill>
-        <p:spPr>
-          <a:xfrm>
-            <a:off x="2327275" y="3493618"/>
-            <a:ext cx="457200" cy="457200"/>
-          </a:xfrm>
-          <a:prstGeom prst="rect">
-            <a:avLst/>
-          </a:prstGeom>
-        </p:spPr>
-      </p:pic>
-      <p:pic>
-        <p:nvPicPr>
-          <p:cNvPr id="33" name="图形 32">
-            <a:extLst>
-              <a:ext uri="{FF2B5EF4-FFF2-40B4-BE49-F238E27FC236}">
-                <a16:creationId xmlns:a16="http://schemas.microsoft.com/office/drawing/2014/main" id="{902BF042-06CF-403A-8E5C-60BFD2A51305}"/>
-              </a:ext>
-            </a:extLst>
-          </p:cNvPr>
-          <p:cNvPicPr>
-            <a:picLocks noChangeAspect="1"/>
-          </p:cNvPicPr>
-          <p:nvPr/>
-        </p:nvPicPr>
-        <p:blipFill>
-          <a:blip r:embed="rId64">
-            <a:extLst>
-              <a:ext uri="{28A0092B-C50C-407E-A947-70E740481C1C}">
-                <a14:useLocalDpi xmlns:a14="http://schemas.microsoft.com/office/drawing/2010/main" val="0"/>
-              </a:ext>
-              <a:ext uri="{96DAC541-7B7A-43D3-8B79-37D633B846F1}">
-                <asvg:svgBlip xmlns:asvg="http://schemas.microsoft.com/office/drawing/2016/SVG/main" r:embed="rId65"/>
               </a:ext>
             </a:extLst>
           </a:blip>
@@ -13779,6 +14017,123 @@
           <p:nvPr/>
         </p:nvPicPr>
         <p:blipFill>
+          <a:blip r:embed="rId60">
+            <a:extLst>
+              <a:ext uri="{28A0092B-C50C-407E-A947-70E740481C1C}">
+                <a14:useLocalDpi xmlns:a14="http://schemas.microsoft.com/office/drawing/2010/main" val="0"/>
+              </a:ext>
+              <a:ext uri="{96DAC541-7B7A-43D3-8B79-37D633B846F1}">
+                <asvg:svgBlip xmlns:asvg="http://schemas.microsoft.com/office/drawing/2016/SVG/main" r:embed="rId61"/>
+              </a:ext>
+            </a:extLst>
+          </a:blip>
+          <a:stretch>
+            <a:fillRect/>
+          </a:stretch>
+        </p:blipFill>
+        <p:spPr>
+          <a:xfrm>
+            <a:off x="3910650" y="3493618"/>
+            <a:ext cx="457200" cy="457200"/>
+          </a:xfrm>
+          <a:prstGeom prst="rect">
+            <a:avLst/>
+          </a:prstGeom>
+        </p:spPr>
+      </p:pic>
+      <p:pic>
+        <p:nvPicPr>
+          <p:cNvPr id="35" name="图形 34">
+            <a:extLst>
+              <a:ext uri="{FF2B5EF4-FFF2-40B4-BE49-F238E27FC236}">
+                <a16:creationId xmlns:a16="http://schemas.microsoft.com/office/drawing/2014/main" id="{57FCE4DF-43C1-4CB9-B758-198492BB94A2}"/>
+              </a:ext>
+            </a:extLst>
+          </p:cNvPr>
+          <p:cNvPicPr>
+            <a:picLocks noChangeAspect="1"/>
+          </p:cNvPicPr>
+          <p:nvPr/>
+        </p:nvPicPr>
+        <p:blipFill>
+          <a:blip r:embed="rId62">
+            <a:extLst>
+              <a:ext uri="{28A0092B-C50C-407E-A947-70E740481C1C}">
+                <a14:useLocalDpi xmlns:a14="http://schemas.microsoft.com/office/drawing/2010/main" val="0"/>
+              </a:ext>
+              <a:ext uri="{96DAC541-7B7A-43D3-8B79-37D633B846F1}">
+                <asvg:svgBlip xmlns:asvg="http://schemas.microsoft.com/office/drawing/2016/SVG/main" r:embed="rId63"/>
+              </a:ext>
+            </a:extLst>
+          </a:blip>
+          <a:stretch>
+            <a:fillRect/>
+          </a:stretch>
+        </p:blipFill>
+        <p:spPr>
+          <a:xfrm>
+            <a:off x="4697575" y="3493618"/>
+            <a:ext cx="457200" cy="457200"/>
+          </a:xfrm>
+          <a:prstGeom prst="rect">
+            <a:avLst/>
+          </a:prstGeom>
+        </p:spPr>
+      </p:pic>
+      <p:pic>
+        <p:nvPicPr>
+          <p:cNvPr id="36" name="图形 35">
+            <a:extLst>
+              <a:ext uri="{FF2B5EF4-FFF2-40B4-BE49-F238E27FC236}">
+                <a16:creationId xmlns:a16="http://schemas.microsoft.com/office/drawing/2014/main" id="{21510039-6DD9-43CC-A33E-D49553145E9F}"/>
+              </a:ext>
+            </a:extLst>
+          </p:cNvPr>
+          <p:cNvPicPr>
+            <a:picLocks noChangeAspect="1"/>
+          </p:cNvPicPr>
+          <p:nvPr/>
+        </p:nvPicPr>
+        <p:blipFill>
+          <a:blip r:embed="rId64">
+            <a:extLst>
+              <a:ext uri="{28A0092B-C50C-407E-A947-70E740481C1C}">
+                <a14:useLocalDpi xmlns:a14="http://schemas.microsoft.com/office/drawing/2010/main" val="0"/>
+              </a:ext>
+              <a:ext uri="{96DAC541-7B7A-43D3-8B79-37D633B846F1}">
+                <asvg:svgBlip xmlns:asvg="http://schemas.microsoft.com/office/drawing/2016/SVG/main" r:embed="rId65"/>
+              </a:ext>
+            </a:extLst>
+          </a:blip>
+          <a:stretch>
+            <a:fillRect/>
+          </a:stretch>
+        </p:blipFill>
+        <p:spPr>
+          <a:xfrm>
+            <a:off x="5484500" y="3493618"/>
+            <a:ext cx="457200" cy="457200"/>
+          </a:xfrm>
+          <a:prstGeom prst="rect">
+            <a:avLst/>
+          </a:prstGeom>
+        </p:spPr>
+      </p:pic>
+      <p:pic>
+        <p:nvPicPr>
+          <p:cNvPr id="37" name="图形 36">
+            <a:extLst>
+              <a:ext uri="{FF2B5EF4-FFF2-40B4-BE49-F238E27FC236}">
+                <a16:creationId xmlns:a16="http://schemas.microsoft.com/office/drawing/2014/main" id="{8D974CCE-7F40-4D09-9F16-831D8C72F5F6}"/>
+              </a:ext>
+            </a:extLst>
+          </p:cNvPr>
+          <p:cNvPicPr>
+            <a:picLocks noChangeAspect="1"/>
+          </p:cNvPicPr>
+          <p:nvPr/>
+        </p:nvPicPr>
+        <p:blipFill>
           <a:blip r:embed="rId66">
             <a:extLst>
               <a:ext uri="{28A0092B-C50C-407E-A947-70E740481C1C}">
@@ -13795,20 +14150,20 @@
         </p:blipFill>
         <p:spPr>
           <a:xfrm>
-            <a:off x="3910650" y="3493618"/>
-            <a:ext cx="457200" cy="457200"/>
-          </a:xfrm>
-          <a:prstGeom prst="rect">
-            <a:avLst/>
-          </a:prstGeom>
-        </p:spPr>
-      </p:pic>
-      <p:pic>
-        <p:nvPicPr>
-          <p:cNvPr id="35" name="图形 34">
-            <a:extLst>
-              <a:ext uri="{FF2B5EF4-FFF2-40B4-BE49-F238E27FC236}">
-                <a16:creationId xmlns:a16="http://schemas.microsoft.com/office/drawing/2014/main" id="{57FCE4DF-43C1-4CB9-B758-198492BB94A2}"/>
+            <a:off x="6271425" y="3493618"/>
+            <a:ext cx="457200" cy="457200"/>
+          </a:xfrm>
+          <a:prstGeom prst="rect">
+            <a:avLst/>
+          </a:prstGeom>
+        </p:spPr>
+      </p:pic>
+      <p:pic>
+        <p:nvPicPr>
+          <p:cNvPr id="38" name="图形 37">
+            <a:extLst>
+              <a:ext uri="{FF2B5EF4-FFF2-40B4-BE49-F238E27FC236}">
+                <a16:creationId xmlns:a16="http://schemas.microsoft.com/office/drawing/2014/main" id="{775A4168-8218-4F8C-B647-2019CEF6E967}"/>
               </a:ext>
             </a:extLst>
           </p:cNvPr>
@@ -13825,123 +14180,6 @@
               </a:ext>
               <a:ext uri="{96DAC541-7B7A-43D3-8B79-37D633B846F1}">
                 <asvg:svgBlip xmlns:asvg="http://schemas.microsoft.com/office/drawing/2016/SVG/main" r:embed="rId69"/>
-              </a:ext>
-            </a:extLst>
-          </a:blip>
-          <a:stretch>
-            <a:fillRect/>
-          </a:stretch>
-        </p:blipFill>
-        <p:spPr>
-          <a:xfrm>
-            <a:off x="4697575" y="3493618"/>
-            <a:ext cx="457200" cy="457200"/>
-          </a:xfrm>
-          <a:prstGeom prst="rect">
-            <a:avLst/>
-          </a:prstGeom>
-        </p:spPr>
-      </p:pic>
-      <p:pic>
-        <p:nvPicPr>
-          <p:cNvPr id="36" name="图形 35">
-            <a:extLst>
-              <a:ext uri="{FF2B5EF4-FFF2-40B4-BE49-F238E27FC236}">
-                <a16:creationId xmlns:a16="http://schemas.microsoft.com/office/drawing/2014/main" id="{21510039-6DD9-43CC-A33E-D49553145E9F}"/>
-              </a:ext>
-            </a:extLst>
-          </p:cNvPr>
-          <p:cNvPicPr>
-            <a:picLocks noChangeAspect="1"/>
-          </p:cNvPicPr>
-          <p:nvPr/>
-        </p:nvPicPr>
-        <p:blipFill>
-          <a:blip r:embed="rId70">
-            <a:extLst>
-              <a:ext uri="{28A0092B-C50C-407E-A947-70E740481C1C}">
-                <a14:useLocalDpi xmlns:a14="http://schemas.microsoft.com/office/drawing/2010/main" val="0"/>
-              </a:ext>
-              <a:ext uri="{96DAC541-7B7A-43D3-8B79-37D633B846F1}">
-                <asvg:svgBlip xmlns:asvg="http://schemas.microsoft.com/office/drawing/2016/SVG/main" r:embed="rId71"/>
-              </a:ext>
-            </a:extLst>
-          </a:blip>
-          <a:stretch>
-            <a:fillRect/>
-          </a:stretch>
-        </p:blipFill>
-        <p:spPr>
-          <a:xfrm>
-            <a:off x="5484500" y="3493618"/>
-            <a:ext cx="457200" cy="457200"/>
-          </a:xfrm>
-          <a:prstGeom prst="rect">
-            <a:avLst/>
-          </a:prstGeom>
-        </p:spPr>
-      </p:pic>
-      <p:pic>
-        <p:nvPicPr>
-          <p:cNvPr id="37" name="图形 36">
-            <a:extLst>
-              <a:ext uri="{FF2B5EF4-FFF2-40B4-BE49-F238E27FC236}">
-                <a16:creationId xmlns:a16="http://schemas.microsoft.com/office/drawing/2014/main" id="{8D974CCE-7F40-4D09-9F16-831D8C72F5F6}"/>
-              </a:ext>
-            </a:extLst>
-          </p:cNvPr>
-          <p:cNvPicPr>
-            <a:picLocks noChangeAspect="1"/>
-          </p:cNvPicPr>
-          <p:nvPr/>
-        </p:nvPicPr>
-        <p:blipFill>
-          <a:blip r:embed="rId72">
-            <a:extLst>
-              <a:ext uri="{28A0092B-C50C-407E-A947-70E740481C1C}">
-                <a14:useLocalDpi xmlns:a14="http://schemas.microsoft.com/office/drawing/2010/main" val="0"/>
-              </a:ext>
-              <a:ext uri="{96DAC541-7B7A-43D3-8B79-37D633B846F1}">
-                <asvg:svgBlip xmlns:asvg="http://schemas.microsoft.com/office/drawing/2016/SVG/main" r:embed="rId73"/>
-              </a:ext>
-            </a:extLst>
-          </a:blip>
-          <a:stretch>
-            <a:fillRect/>
-          </a:stretch>
-        </p:blipFill>
-        <p:spPr>
-          <a:xfrm>
-            <a:off x="6271425" y="3493618"/>
-            <a:ext cx="457200" cy="457200"/>
-          </a:xfrm>
-          <a:prstGeom prst="rect">
-            <a:avLst/>
-          </a:prstGeom>
-        </p:spPr>
-      </p:pic>
-      <p:pic>
-        <p:nvPicPr>
-          <p:cNvPr id="38" name="图形 37">
-            <a:extLst>
-              <a:ext uri="{FF2B5EF4-FFF2-40B4-BE49-F238E27FC236}">
-                <a16:creationId xmlns:a16="http://schemas.microsoft.com/office/drawing/2014/main" id="{775A4168-8218-4F8C-B647-2019CEF6E967}"/>
-              </a:ext>
-            </a:extLst>
-          </p:cNvPr>
-          <p:cNvPicPr>
-            <a:picLocks noChangeAspect="1"/>
-          </p:cNvPicPr>
-          <p:nvPr/>
-        </p:nvPicPr>
-        <p:blipFill>
-          <a:blip r:embed="rId74">
-            <a:extLst>
-              <a:ext uri="{28A0092B-C50C-407E-A947-70E740481C1C}">
-                <a14:useLocalDpi xmlns:a14="http://schemas.microsoft.com/office/drawing/2010/main" val="0"/>
-              </a:ext>
-              <a:ext uri="{96DAC541-7B7A-43D3-8B79-37D633B846F1}">
-                <asvg:svgBlip xmlns:asvg="http://schemas.microsoft.com/office/drawing/2016/SVG/main" r:embed="rId75"/>
               </a:ext>
             </a:extLst>
           </a:blip>
@@ -13974,13 +14212,13 @@
           <p:nvPr/>
         </p:nvPicPr>
         <p:blipFill>
-          <a:blip r:embed="rId76">
-            <a:extLst>
-              <a:ext uri="{28A0092B-C50C-407E-A947-70E740481C1C}">
-                <a14:useLocalDpi xmlns:a14="http://schemas.microsoft.com/office/drawing/2010/main" val="0"/>
-              </a:ext>
-              <a:ext uri="{96DAC541-7B7A-43D3-8B79-37D633B846F1}">
-                <asvg:svgBlip xmlns:asvg="http://schemas.microsoft.com/office/drawing/2016/SVG/main" r:embed="rId77"/>
+          <a:blip r:embed="rId70">
+            <a:extLst>
+              <a:ext uri="{28A0092B-C50C-407E-A947-70E740481C1C}">
+                <a14:useLocalDpi xmlns:a14="http://schemas.microsoft.com/office/drawing/2010/main" val="0"/>
+              </a:ext>
+              <a:ext uri="{96DAC541-7B7A-43D3-8B79-37D633B846F1}">
+                <asvg:svgBlip xmlns:asvg="http://schemas.microsoft.com/office/drawing/2016/SVG/main" r:embed="rId71"/>
               </a:ext>
             </a:extLst>
           </a:blip>
@@ -14013,13 +14251,13 @@
           <p:nvPr/>
         </p:nvPicPr>
         <p:blipFill>
-          <a:blip r:embed="rId78">
-            <a:extLst>
-              <a:ext uri="{28A0092B-C50C-407E-A947-70E740481C1C}">
-                <a14:useLocalDpi xmlns:a14="http://schemas.microsoft.com/office/drawing/2010/main" val="0"/>
-              </a:ext>
-              <a:ext uri="{96DAC541-7B7A-43D3-8B79-37D633B846F1}">
-                <asvg:svgBlip xmlns:asvg="http://schemas.microsoft.com/office/drawing/2016/SVG/main" r:embed="rId79"/>
+          <a:blip r:embed="rId72">
+            <a:extLst>
+              <a:ext uri="{28A0092B-C50C-407E-A947-70E740481C1C}">
+                <a14:useLocalDpi xmlns:a14="http://schemas.microsoft.com/office/drawing/2010/main" val="0"/>
+              </a:ext>
+              <a:ext uri="{96DAC541-7B7A-43D3-8B79-37D633B846F1}">
+                <asvg:svgBlip xmlns:asvg="http://schemas.microsoft.com/office/drawing/2016/SVG/main" r:embed="rId73"/>
               </a:ext>
             </a:extLst>
           </a:blip>
@@ -14052,7 +14290,7 @@
           <p:nvPr/>
         </p:nvPicPr>
         <p:blipFill>
-          <a:blip r:embed="rId80">
+          <a:blip r:embed="rId74">
             <a:extLst>
               <a:ext uri="{28A0092B-C50C-407E-A947-70E740481C1C}">
                 <a14:useLocalDpi xmlns:a14="http://schemas.microsoft.com/office/drawing/2010/main" val="0"/>
@@ -14088,7 +14326,7 @@
           <p:nvPr/>
         </p:nvPicPr>
         <p:blipFill>
-          <a:blip r:embed="rId81">
+          <a:blip r:embed="rId75">
             <a:extLst>
               <a:ext uri="{28A0092B-C50C-407E-A947-70E740481C1C}">
                 <a14:useLocalDpi xmlns:a14="http://schemas.microsoft.com/office/drawing/2010/main" val="0"/>
@@ -14124,7 +14362,7 @@
           <p:nvPr/>
         </p:nvPicPr>
         <p:blipFill>
-          <a:blip r:embed="rId82">
+          <a:blip r:embed="rId76">
             <a:extLst>
               <a:ext uri="{28A0092B-C50C-407E-A947-70E740481C1C}">
                 <a14:useLocalDpi xmlns:a14="http://schemas.microsoft.com/office/drawing/2010/main" val="0"/>
@@ -14160,7 +14398,7 @@
           <p:nvPr/>
         </p:nvPicPr>
         <p:blipFill>
-          <a:blip r:embed="rId83">
+          <a:blip r:embed="rId77">
             <a:extLst>
               <a:ext uri="{28A0092B-C50C-407E-A947-70E740481C1C}">
                 <a14:useLocalDpi xmlns:a14="http://schemas.microsoft.com/office/drawing/2010/main" val="0"/>
@@ -14235,13 +14473,13 @@
           <p:nvPr/>
         </p:nvPicPr>
         <p:blipFill>
-          <a:blip r:embed="rId84">
-            <a:extLst>
-              <a:ext uri="{28A0092B-C50C-407E-A947-70E740481C1C}">
-                <a14:useLocalDpi xmlns:a14="http://schemas.microsoft.com/office/drawing/2010/main" val="0"/>
-              </a:ext>
-              <a:ext uri="{96DAC541-7B7A-43D3-8B79-37D633B846F1}">
-                <asvg:svgBlip xmlns:asvg="http://schemas.microsoft.com/office/drawing/2016/SVG/main" r:embed="rId85"/>
+          <a:blip r:embed="rId78">
+            <a:extLst>
+              <a:ext uri="{28A0092B-C50C-407E-A947-70E740481C1C}">
+                <a14:useLocalDpi xmlns:a14="http://schemas.microsoft.com/office/drawing/2010/main" val="0"/>
+              </a:ext>
+              <a:ext uri="{96DAC541-7B7A-43D3-8B79-37D633B846F1}">
+                <asvg:svgBlip xmlns:asvg="http://schemas.microsoft.com/office/drawing/2016/SVG/main" r:embed="rId79"/>
               </a:ext>
             </a:extLst>
           </a:blip>
@@ -14253,6 +14491,203 @@
           <a:xfrm>
             <a:off x="10638430" y="217938"/>
             <a:ext cx="1302940" cy="300678"/>
+          </a:xfrm>
+          <a:prstGeom prst="rect">
+            <a:avLst/>
+          </a:prstGeom>
+        </p:spPr>
+      </p:pic>
+      <p:sp>
+        <p:nvSpPr>
+          <p:cNvPr id="47" name="文本框 46">
+            <a:extLst>
+              <a:ext uri="{FF2B5EF4-FFF2-40B4-BE49-F238E27FC236}">
+                <a16:creationId xmlns:a16="http://schemas.microsoft.com/office/drawing/2014/main" id="{4A427EE6-1E60-4C82-B90F-CA696211B2B5}"/>
+              </a:ext>
+            </a:extLst>
+          </p:cNvPr>
+          <p:cNvSpPr txBox="1"/>
+          <p:nvPr/>
+        </p:nvSpPr>
+        <p:spPr>
+          <a:xfrm>
+            <a:off x="436230" y="333950"/>
+            <a:ext cx="1107996" cy="369332"/>
+          </a:xfrm>
+          <a:prstGeom prst="rect">
+            <a:avLst/>
+          </a:prstGeom>
+          <a:noFill/>
+        </p:spPr>
+        <p:txBody>
+          <a:bodyPr wrap="none" rtlCol="0">
+            <a:spAutoFit/>
+          </a:bodyPr>
+          <a:lstStyle/>
+          <a:p>
+            <a:r>
+              <a:rPr lang="zh-CN" altLang="en-US" dirty="0">
+                <a:solidFill>
+                  <a:schemeClr val="bg1"/>
+                </a:solidFill>
+                <a:latin typeface="微软雅黑" panose="020B0503020204020204" pitchFamily="34" charset="-122"/>
+                <a:ea typeface="微软雅黑" panose="020B0503020204020204" pitchFamily="34" charset="-122"/>
+              </a:rPr>
+              <a:t>企业应用</a:t>
+            </a:r>
+          </a:p>
+        </p:txBody>
+      </p:sp>
+      <p:pic>
+        <p:nvPicPr>
+          <p:cNvPr id="51" name="图形 50">
+            <a:extLst>
+              <a:ext uri="{FF2B5EF4-FFF2-40B4-BE49-F238E27FC236}">
+                <a16:creationId xmlns:a16="http://schemas.microsoft.com/office/drawing/2014/main" id="{3146B75F-E897-4C6F-9CD1-B30A7909E9A2}"/>
+              </a:ext>
+            </a:extLst>
+          </p:cNvPr>
+          <p:cNvPicPr>
+            <a:picLocks noChangeAspect="1"/>
+          </p:cNvPicPr>
+          <p:nvPr/>
+        </p:nvPicPr>
+        <p:blipFill>
+          <a:blip r:embed="rId80">
+            <a:extLst>
+              <a:ext uri="{28A0092B-C50C-407E-A947-70E740481C1C}">
+                <a14:useLocalDpi xmlns:a14="http://schemas.microsoft.com/office/drawing/2010/main" val="0"/>
+              </a:ext>
+              <a:ext uri="{96DAC541-7B7A-43D3-8B79-37D633B846F1}">
+                <asvg:svgBlip xmlns:asvg="http://schemas.microsoft.com/office/drawing/2016/SVG/main" r:embed="rId81"/>
+              </a:ext>
+            </a:extLst>
+          </a:blip>
+          <a:stretch>
+            <a:fillRect/>
+          </a:stretch>
+        </p:blipFill>
+        <p:spPr>
+          <a:xfrm>
+            <a:off x="7861588" y="1184817"/>
+            <a:ext cx="469589" cy="469589"/>
+          </a:xfrm>
+          <a:prstGeom prst="rect">
+            <a:avLst/>
+          </a:prstGeom>
+        </p:spPr>
+      </p:pic>
+      <p:pic>
+        <p:nvPicPr>
+          <p:cNvPr id="53" name="图形 52">
+            <a:extLst>
+              <a:ext uri="{FF2B5EF4-FFF2-40B4-BE49-F238E27FC236}">
+                <a16:creationId xmlns:a16="http://schemas.microsoft.com/office/drawing/2014/main" id="{4F628DC7-3B26-4451-A630-0BEF9842D428}"/>
+              </a:ext>
+            </a:extLst>
+          </p:cNvPr>
+          <p:cNvPicPr>
+            <a:picLocks noChangeAspect="1"/>
+          </p:cNvPicPr>
+          <p:nvPr/>
+        </p:nvPicPr>
+        <p:blipFill>
+          <a:blip r:embed="rId82">
+            <a:extLst>
+              <a:ext uri="{28A0092B-C50C-407E-A947-70E740481C1C}">
+                <a14:useLocalDpi xmlns:a14="http://schemas.microsoft.com/office/drawing/2010/main" val="0"/>
+              </a:ext>
+              <a:ext uri="{96DAC541-7B7A-43D3-8B79-37D633B846F1}">
+                <asvg:svgBlip xmlns:asvg="http://schemas.microsoft.com/office/drawing/2016/SVG/main" r:embed="rId83"/>
+              </a:ext>
+            </a:extLst>
+          </a:blip>
+          <a:stretch>
+            <a:fillRect/>
+          </a:stretch>
+        </p:blipFill>
+        <p:spPr>
+          <a:xfrm>
+            <a:off x="3139254" y="1149454"/>
+            <a:ext cx="504952" cy="504952"/>
+          </a:xfrm>
+          <a:prstGeom prst="rect">
+            <a:avLst/>
+          </a:prstGeom>
+        </p:spPr>
+      </p:pic>
+      <p:pic>
+        <p:nvPicPr>
+          <p:cNvPr id="55" name="图形 54">
+            <a:extLst>
+              <a:ext uri="{FF2B5EF4-FFF2-40B4-BE49-F238E27FC236}">
+                <a16:creationId xmlns:a16="http://schemas.microsoft.com/office/drawing/2014/main" id="{1ACD8C5D-25D3-49F5-9DF1-88E2C495734B}"/>
+              </a:ext>
+            </a:extLst>
+          </p:cNvPr>
+          <p:cNvPicPr>
+            <a:picLocks noChangeAspect="1"/>
+          </p:cNvPicPr>
+          <p:nvPr/>
+        </p:nvPicPr>
+        <p:blipFill>
+          <a:blip r:embed="rId84">
+            <a:extLst>
+              <a:ext uri="{28A0092B-C50C-407E-A947-70E740481C1C}">
+                <a14:useLocalDpi xmlns:a14="http://schemas.microsoft.com/office/drawing/2010/main" val="0"/>
+              </a:ext>
+              <a:ext uri="{96DAC541-7B7A-43D3-8B79-37D633B846F1}">
+                <asvg:svgBlip xmlns:asvg="http://schemas.microsoft.com/office/drawing/2016/SVG/main" r:embed="rId85"/>
+              </a:ext>
+            </a:extLst>
+          </a:blip>
+          <a:stretch>
+            <a:fillRect/>
+          </a:stretch>
+        </p:blipFill>
+        <p:spPr>
+          <a:xfrm>
+            <a:off x="3926345" y="1166027"/>
+            <a:ext cx="469589" cy="469589"/>
+          </a:xfrm>
+          <a:prstGeom prst="rect">
+            <a:avLst/>
+          </a:prstGeom>
+        </p:spPr>
+      </p:pic>
+      <p:pic>
+        <p:nvPicPr>
+          <p:cNvPr id="57" name="图形 56">
+            <a:extLst>
+              <a:ext uri="{FF2B5EF4-FFF2-40B4-BE49-F238E27FC236}">
+                <a16:creationId xmlns:a16="http://schemas.microsoft.com/office/drawing/2014/main" id="{446120AC-4FA7-4FBD-8C1C-4F3A06D54ED3}"/>
+              </a:ext>
+            </a:extLst>
+          </p:cNvPr>
+          <p:cNvPicPr>
+            <a:picLocks noChangeAspect="1"/>
+          </p:cNvPicPr>
+          <p:nvPr/>
+        </p:nvPicPr>
+        <p:blipFill>
+          <a:blip r:embed="rId86">
+            <a:extLst>
+              <a:ext uri="{28A0092B-C50C-407E-A947-70E740481C1C}">
+                <a14:useLocalDpi xmlns:a14="http://schemas.microsoft.com/office/drawing/2010/main" val="0"/>
+              </a:ext>
+              <a:ext uri="{96DAC541-7B7A-43D3-8B79-37D633B846F1}">
+                <asvg:svgBlip xmlns:asvg="http://schemas.microsoft.com/office/drawing/2016/SVG/main" r:embed="rId87"/>
+              </a:ext>
+            </a:extLst>
+          </a:blip>
+          <a:stretch>
+            <a:fillRect/>
+          </a:stretch>
+        </p:blipFill>
+        <p:spPr>
+          <a:xfrm>
+            <a:off x="1530825" y="4552950"/>
+            <a:ext cx="466725" cy="466725"/>
           </a:xfrm>
           <a:prstGeom prst="rect">
             <a:avLst/>
@@ -16200,6 +16635,47 @@
           </a:fontRef>
         </p:style>
       </p:cxnSp>
+      <p:sp>
+        <p:nvSpPr>
+          <p:cNvPr id="53" name="文本框 52">
+            <a:extLst>
+              <a:ext uri="{FF2B5EF4-FFF2-40B4-BE49-F238E27FC236}">
+                <a16:creationId xmlns:a16="http://schemas.microsoft.com/office/drawing/2014/main" id="{CC4B7AB3-3683-4EA0-8F91-18E89B2BFA2F}"/>
+              </a:ext>
+            </a:extLst>
+          </p:cNvPr>
+          <p:cNvSpPr txBox="1"/>
+          <p:nvPr/>
+        </p:nvSpPr>
+        <p:spPr>
+          <a:xfrm>
+            <a:off x="436230" y="333950"/>
+            <a:ext cx="1107996" cy="369332"/>
+          </a:xfrm>
+          <a:prstGeom prst="rect">
+            <a:avLst/>
+          </a:prstGeom>
+          <a:noFill/>
+        </p:spPr>
+        <p:txBody>
+          <a:bodyPr wrap="none" rtlCol="0">
+            <a:spAutoFit/>
+          </a:bodyPr>
+          <a:lstStyle/>
+          <a:p>
+            <a:r>
+              <a:rPr lang="zh-CN" altLang="en-US" dirty="0">
+                <a:solidFill>
+                  <a:schemeClr val="bg1"/>
+                </a:solidFill>
+                <a:latin typeface="微软雅黑" panose="020B0503020204020204" pitchFamily="34" charset="-122"/>
+                <a:ea typeface="微软雅黑" panose="020B0503020204020204" pitchFamily="34" charset="-122"/>
+              </a:rPr>
+              <a:t>行业应用</a:t>
+            </a:r>
+          </a:p>
+        </p:txBody>
+      </p:sp>
     </p:spTree>
     <p:extLst>
       <p:ext uri="{BB962C8B-B14F-4D97-AF65-F5344CB8AC3E}">
@@ -17400,42 +17876,6 @@
           </a:prstGeom>
         </p:spPr>
       </p:pic>
-      <p:pic>
-        <p:nvPicPr>
-          <p:cNvPr id="71" name="图片 70">
-            <a:extLst>
-              <a:ext uri="{FF2B5EF4-FFF2-40B4-BE49-F238E27FC236}">
-                <a16:creationId xmlns:a16="http://schemas.microsoft.com/office/drawing/2014/main" id="{CC2324B6-1B89-4961-B3D7-65B26DE88179}"/>
-              </a:ext>
-            </a:extLst>
-          </p:cNvPr>
-          <p:cNvPicPr>
-            <a:picLocks noChangeAspect="1"/>
-          </p:cNvPicPr>
-          <p:nvPr/>
-        </p:nvPicPr>
-        <p:blipFill>
-          <a:blip r:embed="rId62">
-            <a:extLst>
-              <a:ext uri="{28A0092B-C50C-407E-A947-70E740481C1C}">
-                <a14:useLocalDpi xmlns:a14="http://schemas.microsoft.com/office/drawing/2010/main" val="0"/>
-              </a:ext>
-            </a:extLst>
-          </a:blip>
-          <a:stretch>
-            <a:fillRect/>
-          </a:stretch>
-        </p:blipFill>
-        <p:spPr>
-          <a:xfrm>
-            <a:off x="1347682" y="3221950"/>
-            <a:ext cx="465074" cy="465074"/>
-          </a:xfrm>
-          <a:prstGeom prst="rect">
-            <a:avLst/>
-          </a:prstGeom>
-        </p:spPr>
-      </p:pic>
       <p:cxnSp>
         <p:nvCxnSpPr>
           <p:cNvPr id="72" name="直接连接符 71">
@@ -17475,6 +17915,86 @@
           </a:fontRef>
         </p:style>
       </p:cxnSp>
+      <p:sp>
+        <p:nvSpPr>
+          <p:cNvPr id="34" name="文本框 33">
+            <a:extLst>
+              <a:ext uri="{FF2B5EF4-FFF2-40B4-BE49-F238E27FC236}">
+                <a16:creationId xmlns:a16="http://schemas.microsoft.com/office/drawing/2014/main" id="{0289E79F-1611-45BF-90C6-009937CF2E85}"/>
+              </a:ext>
+            </a:extLst>
+          </p:cNvPr>
+          <p:cNvSpPr txBox="1"/>
+          <p:nvPr/>
+        </p:nvSpPr>
+        <p:spPr>
+          <a:xfrm>
+            <a:off x="436230" y="333950"/>
+            <a:ext cx="1334020" cy="369332"/>
+          </a:xfrm>
+          <a:prstGeom prst="rect">
+            <a:avLst/>
+          </a:prstGeom>
+          <a:noFill/>
+        </p:spPr>
+        <p:txBody>
+          <a:bodyPr wrap="none" rtlCol="0">
+            <a:spAutoFit/>
+          </a:bodyPr>
+          <a:lstStyle/>
+          <a:p>
+            <a:r>
+              <a:rPr lang="zh-CN" altLang="en-US" dirty="0">
+                <a:solidFill>
+                  <a:schemeClr val="bg1"/>
+                </a:solidFill>
+                <a:latin typeface="微软雅黑" panose="020B0503020204020204" pitchFamily="34" charset="-122"/>
+                <a:ea typeface="微软雅黑" panose="020B0503020204020204" pitchFamily="34" charset="-122"/>
+              </a:rPr>
+              <a:t>开发者服务</a:t>
+            </a:r>
+          </a:p>
+        </p:txBody>
+      </p:sp>
+      <p:pic>
+        <p:nvPicPr>
+          <p:cNvPr id="635" name="图形 634">
+            <a:extLst>
+              <a:ext uri="{FF2B5EF4-FFF2-40B4-BE49-F238E27FC236}">
+                <a16:creationId xmlns:a16="http://schemas.microsoft.com/office/drawing/2014/main" id="{12B8646C-C85A-4151-A7F5-D98F8EFB5181}"/>
+              </a:ext>
+            </a:extLst>
+          </p:cNvPr>
+          <p:cNvPicPr>
+            <a:picLocks noChangeAspect="1"/>
+          </p:cNvPicPr>
+          <p:nvPr/>
+        </p:nvPicPr>
+        <p:blipFill>
+          <a:blip r:embed="rId62">
+            <a:extLst>
+              <a:ext uri="{28A0092B-C50C-407E-A947-70E740481C1C}">
+                <a14:useLocalDpi xmlns:a14="http://schemas.microsoft.com/office/drawing/2010/main" val="0"/>
+              </a:ext>
+              <a:ext uri="{96DAC541-7B7A-43D3-8B79-37D633B846F1}">
+                <asvg:svgBlip xmlns:asvg="http://schemas.microsoft.com/office/drawing/2016/SVG/main" r:embed="rId63"/>
+              </a:ext>
+            </a:extLst>
+          </a:blip>
+          <a:stretch>
+            <a:fillRect/>
+          </a:stretch>
+        </p:blipFill>
+        <p:spPr>
+          <a:xfrm>
+            <a:off x="1307931" y="3177477"/>
+            <a:ext cx="476250" cy="476250"/>
+          </a:xfrm>
+          <a:prstGeom prst="rect">
+            <a:avLst/>
+          </a:prstGeom>
+        </p:spPr>
+      </p:pic>
     </p:spTree>
     <p:extLst>
       <p:ext uri="{BB962C8B-B14F-4D97-AF65-F5344CB8AC3E}">
